--- a/Deep Web - Web Cmdlets Deep Dive.pptx
+++ b/Deep Web - Web Cmdlets Deep Dive.pptx
@@ -5,7 +5,7 @@
     <p:sldMasterId id="2147483668" r:id="rId1"/>
   </p:sldMasterIdLst>
   <p:notesMasterIdLst>
-    <p:notesMasterId r:id="rId44"/>
+    <p:notesMasterId r:id="rId45"/>
   </p:notesMasterIdLst>
   <p:sldIdLst>
     <p:sldId id="256" r:id="rId2"/>
@@ -49,7 +49,8 @@
     <p:sldId id="298" r:id="rId40"/>
     <p:sldId id="299" r:id="rId41"/>
     <p:sldId id="300" r:id="rId42"/>
-    <p:sldId id="265" r:id="rId43"/>
+    <p:sldId id="302" r:id="rId43"/>
+    <p:sldId id="265" r:id="rId44"/>
   </p:sldIdLst>
   <p:sldSz cx="12192000" cy="6858000"/>
   <p:notesSz cx="6858000" cy="9144000"/>
@@ -198,6 +199,7 @@
             <p14:sldId id="298"/>
             <p14:sldId id="299"/>
             <p14:sldId id="300"/>
+            <p14:sldId id="302"/>
             <p14:sldId id="265"/>
           </p14:sldIdLst>
         </p14:section>
@@ -292,7 +294,7 @@
           <a:p>
             <a:fld id="{58B4CE42-2F83-45ED-A24E-D5620E9A7C2E}" type="datetimeFigureOut">
               <a:rPr lang="en-US" smtClean="0"/>
-              <a:t>4/14/2019</a:t>
+              <a:t>4/25/2019</a:t>
             </a:fld>
             <a:endParaRPr lang="en-US"/>
           </a:p>
@@ -2766,7 +2768,7 @@
             <a:fld id="{B61BEF0D-F0BB-DE4B-95CE-6DB70DBA9567}" type="datetimeFigureOut">
               <a:rPr lang="en-US" smtClean="0"/>
               <a:pPr/>
-              <a:t>4/14/2019</a:t>
+              <a:t>4/25/2019</a:t>
             </a:fld>
             <a:endParaRPr lang="en-US" dirty="0"/>
           </a:p>
@@ -3346,7 +3348,7 @@
             <a:fld id="{B61BEF0D-F0BB-DE4B-95CE-6DB70DBA9567}" type="datetimeFigureOut">
               <a:rPr lang="en-US" smtClean="0"/>
               <a:pPr/>
-              <a:t>4/14/2019</a:t>
+              <a:t>4/25/2019</a:t>
             </a:fld>
             <a:endParaRPr lang="en-US" dirty="0"/>
           </a:p>
@@ -3588,7 +3590,7 @@
             <a:fld id="{B61BEF0D-F0BB-DE4B-95CE-6DB70DBA9567}" type="datetimeFigureOut">
               <a:rPr lang="en-US" smtClean="0"/>
               <a:pPr/>
-              <a:t>4/14/2019</a:t>
+              <a:t>4/25/2019</a:t>
             </a:fld>
             <a:endParaRPr lang="en-US" dirty="0"/>
           </a:p>
@@ -3844,7 +3846,7 @@
             <a:fld id="{B61BEF0D-F0BB-DE4B-95CE-6DB70DBA9567}" type="datetimeFigureOut">
               <a:rPr lang="en-US" smtClean="0"/>
               <a:pPr/>
-              <a:t>4/14/2019</a:t>
+              <a:t>4/25/2019</a:t>
             </a:fld>
             <a:endParaRPr lang="en-US" dirty="0"/>
           </a:p>
@@ -4205,7 +4207,7 @@
             <a:fld id="{B61BEF0D-F0BB-DE4B-95CE-6DB70DBA9567}" type="datetimeFigureOut">
               <a:rPr lang="en-US" smtClean="0"/>
               <a:pPr/>
-              <a:t>4/14/2019</a:t>
+              <a:t>4/25/2019</a:t>
             </a:fld>
             <a:endParaRPr lang="en-US" dirty="0"/>
           </a:p>
@@ -4319,7 +4321,7 @@
             <a:fld id="{B61BEF0D-F0BB-DE4B-95CE-6DB70DBA9567}" type="datetimeFigureOut">
               <a:rPr lang="en-US" smtClean="0"/>
               <a:pPr/>
-              <a:t>4/14/2019</a:t>
+              <a:t>4/25/2019</a:t>
             </a:fld>
             <a:endParaRPr lang="en-US" dirty="0"/>
           </a:p>
@@ -4411,7 +4413,7 @@
             <a:fld id="{B61BEF0D-F0BB-DE4B-95CE-6DB70DBA9567}" type="datetimeFigureOut">
               <a:rPr lang="en-US" smtClean="0"/>
               <a:pPr/>
-              <a:t>4/14/2019</a:t>
+              <a:t>4/25/2019</a:t>
             </a:fld>
             <a:endParaRPr lang="en-US" dirty="0"/>
           </a:p>
@@ -4683,7 +4685,7 @@
             <a:fld id="{B61BEF0D-F0BB-DE4B-95CE-6DB70DBA9567}" type="datetimeFigureOut">
               <a:rPr lang="en-US" smtClean="0"/>
               <a:pPr/>
-              <a:t>4/14/2019</a:t>
+              <a:t>4/25/2019</a:t>
             </a:fld>
             <a:endParaRPr lang="en-US" dirty="0"/>
           </a:p>
@@ -4932,7 +4934,7 @@
             <a:fld id="{B61BEF0D-F0BB-DE4B-95CE-6DB70DBA9567}" type="datetimeFigureOut">
               <a:rPr lang="en-US" smtClean="0"/>
               <a:pPr/>
-              <a:t>4/14/2019</a:t>
+              <a:t>4/25/2019</a:t>
             </a:fld>
             <a:endParaRPr lang="en-US" dirty="0"/>
           </a:p>
@@ -5140,7 +5142,7 @@
             <a:fld id="{B61BEF0D-F0BB-DE4B-95CE-6DB70DBA9567}" type="datetimeFigureOut">
               <a:rPr lang="en-US" smtClean="0"/>
               <a:pPr/>
-              <a:t>4/14/2019</a:t>
+              <a:t>4/25/2019</a:t>
             </a:fld>
             <a:endParaRPr lang="en-US" dirty="0"/>
           </a:p>
@@ -14723,7 +14725,7 @@
           <a:p>
             <a:r>
               <a:rPr lang="en-US" dirty="0" err="1"/>
-              <a:t>WebRequestPSCmdlet.ProcessResponse</a:t>
+              <a:t>WebRequestPSCmdlet.ProcessRecord</a:t>
             </a:r>
             <a:r>
               <a:rPr lang="en-US" dirty="0"/>
@@ -15608,13 +15610,23 @@
         </p:spPr>
         <p:txBody>
           <a:bodyPr>
-            <a:normAutofit fontScale="92500" lnSpcReduction="20000"/>
+            <a:normAutofit fontScale="77500" lnSpcReduction="20000"/>
           </a:bodyPr>
           <a:lstStyle/>
           <a:p>
             <a:r>
               <a:rPr lang="en-US" dirty="0" err="1"/>
-              <a:t>WebRequestPSCmdlet.ProcessResponse</a:t>
+              <a:t>WebRequestPSCmdlet.ProcessRecord</a:t>
+            </a:r>
+            <a:r>
+              <a:rPr lang="en-US" dirty="0"/>
+              <a:t>()</a:t>
+            </a:r>
+          </a:p>
+          <a:p>
+            <a:r>
+              <a:rPr lang="en-US" dirty="0" err="1"/>
+              <a:t>InvokeRestMethodCommand.ProcessResponse</a:t>
             </a:r>
             <a:r>
               <a:rPr lang="en-US" dirty="0"/>
@@ -17499,6 +17511,151 @@
 </file>
 
 <file path=ppt/slides/slide42.xml><?xml version="1.0" encoding="utf-8"?>
+<p:sld xmlns:a="http://schemas.openxmlformats.org/drawingml/2006/main" xmlns:r="http://schemas.openxmlformats.org/officeDocument/2006/relationships" xmlns:p="http://schemas.openxmlformats.org/presentationml/2006/main">
+  <p:cSld>
+    <p:spTree>
+      <p:nvGrpSpPr>
+        <p:cNvPr id="1" name=""/>
+        <p:cNvGrpSpPr/>
+        <p:nvPr/>
+      </p:nvGrpSpPr>
+      <p:grpSpPr>
+        <a:xfrm>
+          <a:off x="0" y="0"/>
+          <a:ext cx="0" cy="0"/>
+          <a:chOff x="0" y="0"/>
+          <a:chExt cx="0" cy="0"/>
+        </a:xfrm>
+      </p:grpSpPr>
+      <p:sp>
+        <p:nvSpPr>
+          <p:cNvPr id="2" name="Title 1">
+            <a:extLst>
+              <a:ext uri="{FF2B5EF4-FFF2-40B4-BE49-F238E27FC236}">
+                <a16:creationId xmlns:a16="http://schemas.microsoft.com/office/drawing/2014/main" id="{BB02CF5B-0AE1-4F21-9606-6B5CD2296E22}"/>
+              </a:ext>
+            </a:extLst>
+          </p:cNvPr>
+          <p:cNvSpPr>
+            <a:spLocks noGrp="1"/>
+          </p:cNvSpPr>
+          <p:nvPr>
+            <p:ph type="title"/>
+          </p:nvPr>
+        </p:nvSpPr>
+        <p:spPr/>
+        <p:txBody>
+          <a:bodyPr/>
+          <a:lstStyle/>
+          <a:p>
+            <a:r>
+              <a:rPr lang="en-US" dirty="0"/>
+              <a:t>Links and Attribution</a:t>
+            </a:r>
+          </a:p>
+        </p:txBody>
+      </p:sp>
+      <p:sp>
+        <p:nvSpPr>
+          <p:cNvPr id="3" name="Content Placeholder 2">
+            <a:extLst>
+              <a:ext uri="{FF2B5EF4-FFF2-40B4-BE49-F238E27FC236}">
+                <a16:creationId xmlns:a16="http://schemas.microsoft.com/office/drawing/2014/main" id="{BDD97BF1-1BBD-4A36-B87C-33DD7768796C}"/>
+              </a:ext>
+            </a:extLst>
+          </p:cNvPr>
+          <p:cNvSpPr>
+            <a:spLocks noGrp="1"/>
+          </p:cNvSpPr>
+          <p:nvPr>
+            <p:ph idx="1"/>
+          </p:nvPr>
+        </p:nvSpPr>
+        <p:spPr/>
+        <p:txBody>
+          <a:bodyPr/>
+          <a:lstStyle/>
+          <a:p>
+            <a:r>
+              <a:rPr lang="en-US" dirty="0"/>
+              <a:t>Presentation Material </a:t>
+            </a:r>
+          </a:p>
+          <a:p>
+            <a:pPr lvl="1"/>
+            <a:r>
+              <a:rPr lang="en-US" dirty="0">
+                <a:hlinkClick r:id="rId2"/>
+              </a:rPr>
+              <a:t>http://bit.ly/WebCmdletPrezo</a:t>
+            </a:r>
+            <a:r>
+              <a:rPr lang="en-US" dirty="0"/>
+              <a:t> </a:t>
+            </a:r>
+          </a:p>
+          <a:p>
+            <a:pPr lvl="1"/>
+            <a:r>
+              <a:rPr lang="en-US" dirty="0">
+                <a:hlinkClick r:id="rId3"/>
+              </a:rPr>
+              <a:t>https://github.com/markekraus/Deep-Web-Web-Cmdlets-Presentation</a:t>
+            </a:r>
+            <a:r>
+              <a:rPr lang="en-US" dirty="0"/>
+              <a:t> </a:t>
+            </a:r>
+          </a:p>
+          <a:p>
+            <a:r>
+              <a:rPr lang="en-US" dirty="0"/>
+              <a:t>Attribution</a:t>
+            </a:r>
+          </a:p>
+          <a:p>
+            <a:pPr lvl="1"/>
+            <a:r>
+              <a:rPr lang="en-US" dirty="0"/>
+              <a:t>Rin Avatar:</a:t>
+            </a:r>
+          </a:p>
+          <a:p>
+            <a:pPr lvl="2"/>
+            <a:r>
+              <a:rPr lang="en-US" b="1" dirty="0"/>
+              <a:t>CC BY-NC-ND 3.0</a:t>
+            </a:r>
+          </a:p>
+          <a:p>
+            <a:pPr lvl="2"/>
+            <a:r>
+              <a:rPr lang="en-US" dirty="0">
+                <a:hlinkClick r:id="rId4"/>
+              </a:rPr>
+              <a:t>https://www.katawa-shoujo.com/about.php</a:t>
+            </a:r>
+            <a:r>
+              <a:rPr lang="en-US" dirty="0"/>
+              <a:t> </a:t>
+            </a:r>
+          </a:p>
+        </p:txBody>
+      </p:sp>
+    </p:spTree>
+    <p:extLst>
+      <p:ext uri="{BB962C8B-B14F-4D97-AF65-F5344CB8AC3E}">
+        <p14:creationId xmlns:p14="http://schemas.microsoft.com/office/powerpoint/2010/main" val="3231558526"/>
+      </p:ext>
+    </p:extLst>
+  </p:cSld>
+  <p:clrMapOvr>
+    <a:masterClrMapping/>
+  </p:clrMapOvr>
+</p:sld>
+</file>
+
+<file path=ppt/slides/slide43.xml><?xml version="1.0" encoding="utf-8"?>
 <p:sld xmlns:a="http://schemas.openxmlformats.org/drawingml/2006/main" xmlns:r="http://schemas.openxmlformats.org/officeDocument/2006/relationships" xmlns:p="http://schemas.openxmlformats.org/presentationml/2006/main">
   <p:cSld>
     <p:spTree>

--- a/Deep Web - Web Cmdlets Deep Dive.pptx
+++ b/Deep Web - Web Cmdlets Deep Dive.pptx
@@ -5,7 +5,7 @@
     <p:sldMasterId id="2147483668" r:id="rId1"/>
   </p:sldMasterIdLst>
   <p:notesMasterIdLst>
-    <p:notesMasterId r:id="rId45"/>
+    <p:notesMasterId r:id="rId47"/>
   </p:notesMasterIdLst>
   <p:sldIdLst>
     <p:sldId id="256" r:id="rId2"/>
@@ -19,38 +19,40 @@
     <p:sldId id="264" r:id="rId10"/>
     <p:sldId id="267" r:id="rId11"/>
     <p:sldId id="275" r:id="rId12"/>
-    <p:sldId id="276" r:id="rId13"/>
-    <p:sldId id="269" r:id="rId14"/>
-    <p:sldId id="266" r:id="rId15"/>
-    <p:sldId id="270" r:id="rId16"/>
-    <p:sldId id="271" r:id="rId17"/>
-    <p:sldId id="272" r:id="rId18"/>
-    <p:sldId id="277" r:id="rId19"/>
-    <p:sldId id="282" r:id="rId20"/>
-    <p:sldId id="274" r:id="rId21"/>
-    <p:sldId id="273" r:id="rId22"/>
-    <p:sldId id="278" r:id="rId23"/>
-    <p:sldId id="279" r:id="rId24"/>
-    <p:sldId id="280" r:id="rId25"/>
-    <p:sldId id="281" r:id="rId26"/>
-    <p:sldId id="283" r:id="rId27"/>
-    <p:sldId id="284" r:id="rId28"/>
-    <p:sldId id="287" r:id="rId29"/>
-    <p:sldId id="286" r:id="rId30"/>
-    <p:sldId id="288" r:id="rId31"/>
-    <p:sldId id="290" r:id="rId32"/>
-    <p:sldId id="295" r:id="rId33"/>
-    <p:sldId id="291" r:id="rId34"/>
-    <p:sldId id="293" r:id="rId35"/>
-    <p:sldId id="296" r:id="rId36"/>
-    <p:sldId id="294" r:id="rId37"/>
-    <p:sldId id="297" r:id="rId38"/>
-    <p:sldId id="301" r:id="rId39"/>
-    <p:sldId id="298" r:id="rId40"/>
-    <p:sldId id="299" r:id="rId41"/>
-    <p:sldId id="300" r:id="rId42"/>
-    <p:sldId id="302" r:id="rId43"/>
-    <p:sldId id="265" r:id="rId44"/>
+    <p:sldId id="303" r:id="rId13"/>
+    <p:sldId id="276" r:id="rId14"/>
+    <p:sldId id="269" r:id="rId15"/>
+    <p:sldId id="266" r:id="rId16"/>
+    <p:sldId id="270" r:id="rId17"/>
+    <p:sldId id="271" r:id="rId18"/>
+    <p:sldId id="272" r:id="rId19"/>
+    <p:sldId id="277" r:id="rId20"/>
+    <p:sldId id="282" r:id="rId21"/>
+    <p:sldId id="274" r:id="rId22"/>
+    <p:sldId id="273" r:id="rId23"/>
+    <p:sldId id="278" r:id="rId24"/>
+    <p:sldId id="279" r:id="rId25"/>
+    <p:sldId id="280" r:id="rId26"/>
+    <p:sldId id="281" r:id="rId27"/>
+    <p:sldId id="283" r:id="rId28"/>
+    <p:sldId id="284" r:id="rId29"/>
+    <p:sldId id="287" r:id="rId30"/>
+    <p:sldId id="286" r:id="rId31"/>
+    <p:sldId id="288" r:id="rId32"/>
+    <p:sldId id="290" r:id="rId33"/>
+    <p:sldId id="295" r:id="rId34"/>
+    <p:sldId id="291" r:id="rId35"/>
+    <p:sldId id="293" r:id="rId36"/>
+    <p:sldId id="296" r:id="rId37"/>
+    <p:sldId id="294" r:id="rId38"/>
+    <p:sldId id="297" r:id="rId39"/>
+    <p:sldId id="301" r:id="rId40"/>
+    <p:sldId id="298" r:id="rId41"/>
+    <p:sldId id="299" r:id="rId42"/>
+    <p:sldId id="300" r:id="rId43"/>
+    <p:sldId id="304" r:id="rId44"/>
+    <p:sldId id="302" r:id="rId45"/>
+    <p:sldId id="265" r:id="rId46"/>
   </p:sldIdLst>
   <p:sldSz cx="12192000" cy="6858000"/>
   <p:notesSz cx="6858000" cy="9144000"/>
@@ -169,6 +171,7 @@
             <p14:sldId id="264"/>
             <p14:sldId id="267"/>
             <p14:sldId id="275"/>
+            <p14:sldId id="303"/>
             <p14:sldId id="276"/>
             <p14:sldId id="269"/>
             <p14:sldId id="266"/>
@@ -199,6 +202,7 @@
             <p14:sldId id="298"/>
             <p14:sldId id="299"/>
             <p14:sldId id="300"/>
+            <p14:sldId id="304"/>
             <p14:sldId id="302"/>
             <p14:sldId id="265"/>
           </p14:sldIdLst>
@@ -294,7 +298,7 @@
           <a:p>
             <a:fld id="{58B4CE42-2F83-45ED-A24E-D5620E9A7C2E}" type="datetimeFigureOut">
               <a:rPr lang="en-US" smtClean="0"/>
-              <a:t>4/25/2019</a:t>
+              <a:t>5/1/2019</a:t>
             </a:fld>
             <a:endParaRPr lang="en-US"/>
           </a:p>
@@ -754,7 +758,7 @@
     </p:spTree>
     <p:extLst>
       <p:ext uri="{BB962C8B-B14F-4D97-AF65-F5344CB8AC3E}">
-        <p14:creationId xmlns:p14="http://schemas.microsoft.com/office/powerpoint/2010/main" val="677127638"/>
+        <p14:creationId xmlns:p14="http://schemas.microsoft.com/office/powerpoint/2010/main" val="2477773706"/>
       </p:ext>
     </p:extLst>
   </p:cSld>
@@ -781,7 +785,101 @@
           <a:chExt cx="0" cy="0"/>
         </a:xfrm>
       </p:grpSpPr>
+      <p:sp>
+        <p:nvSpPr>
+          <p:cNvPr id="2" name="Slide Image Placeholder 1"/>
+          <p:cNvSpPr>
+            <a:spLocks noGrp="1" noRot="1" noChangeAspect="1"/>
+          </p:cNvSpPr>
+          <p:nvPr>
+            <p:ph type="sldImg"/>
+          </p:nvPr>
+        </p:nvSpPr>
+        <p:spPr/>
+      </p:sp>
+      <p:sp>
+        <p:nvSpPr>
+          <p:cNvPr id="3" name="Notes Placeholder 2"/>
+          <p:cNvSpPr>
+            <a:spLocks noGrp="1"/>
+          </p:cNvSpPr>
+          <p:nvPr>
+            <p:ph type="body" idx="1"/>
+          </p:nvPr>
+        </p:nvSpPr>
+        <p:spPr/>
+        <p:txBody>
+          <a:bodyPr/>
+          <a:lstStyle/>
+          <a:p>
+            <a:r>
+              <a:rPr lang="en-US" dirty="0"/>
+              <a:t>PowerShell Core is cross platform and that means IE is not available everywhere. Internet Explorer was used for HTML parsing. That means we no longer have anything but basic html parsing available.</a:t>
+            </a:r>
+          </a:p>
+          <a:p>
+            <a:endParaRPr lang="en-US" dirty="0"/>
+          </a:p>
+          <a:p>
+            <a:r>
+              <a:rPr lang="en-US" dirty="0"/>
+              <a:t>The good news is that the IE integration was a major pain in headless automation. You either needed to ensure –UseBasicParsing was present or login as the service account and perform first run configuration for IE.</a:t>
+            </a:r>
+          </a:p>
+          <a:p>
+            <a:endParaRPr lang="en-US" dirty="0"/>
+          </a:p>
+          <a:p>
+            <a:r>
+              <a:rPr lang="en-US" dirty="0"/>
+              <a:t>HTTP and HTTPS are now the only supported protocols. No more FILE:// and FTP:// support. This may be problematic. FILE support is probably not a loss as you could use get-content, but no FTP support may be painful.</a:t>
+            </a:r>
+          </a:p>
+          <a:p>
+            <a:endParaRPr lang="en-US" dirty="0"/>
+          </a:p>
+          <a:p>
+            <a:r>
+              <a:rPr lang="en-US" dirty="0"/>
+              <a:t>.NET Core dropped SSL 3.0 support. Now only TLS 1.0, 1.1, and 1.2 </a:t>
+            </a:r>
+            <a:r>
+              <a:rPr lang="en-US"/>
+              <a:t>are supported. </a:t>
+            </a:r>
+            <a:endParaRPr lang="en-US" dirty="0"/>
+          </a:p>
+        </p:txBody>
+      </p:sp>
+      <p:sp>
+        <p:nvSpPr>
+          <p:cNvPr id="4" name="Slide Number Placeholder 3"/>
+          <p:cNvSpPr>
+            <a:spLocks noGrp="1"/>
+          </p:cNvSpPr>
+          <p:nvPr>
+            <p:ph type="sldNum" sz="quarter" idx="5"/>
+          </p:nvPr>
+        </p:nvSpPr>
+        <p:spPr/>
+        <p:txBody>
+          <a:bodyPr/>
+          <a:lstStyle/>
+          <a:p>
+            <a:fld id="{F4C7BE4A-F586-4EDB-A910-A79112EF8A8E}" type="slidenum">
+              <a:rPr lang="en-US" smtClean="0"/>
+              <a:t>19</a:t>
+            </a:fld>
+            <a:endParaRPr lang="en-US"/>
+          </a:p>
+        </p:txBody>
+      </p:sp>
     </p:spTree>
+    <p:extLst>
+      <p:ext uri="{BB962C8B-B14F-4D97-AF65-F5344CB8AC3E}">
+        <p14:creationId xmlns:p14="http://schemas.microsoft.com/office/powerpoint/2010/main" val="677127638"/>
+      </p:ext>
+    </p:extLst>
   </p:cSld>
   <p:clrMapOvr>
     <a:masterClrMapping/>
@@ -806,78 +904,7 @@
           <a:chExt cx="0" cy="0"/>
         </a:xfrm>
       </p:grpSpPr>
-      <p:sp>
-        <p:nvSpPr>
-          <p:cNvPr id="2" name="Slide Image Placeholder 1"/>
-          <p:cNvSpPr>
-            <a:spLocks noGrp="1" noRot="1" noChangeAspect="1"/>
-          </p:cNvSpPr>
-          <p:nvPr>
-            <p:ph type="sldImg"/>
-          </p:nvPr>
-        </p:nvSpPr>
-        <p:spPr/>
-      </p:sp>
-      <p:sp>
-        <p:nvSpPr>
-          <p:cNvPr id="3" name="Notes Placeholder 2"/>
-          <p:cNvSpPr>
-            <a:spLocks noGrp="1"/>
-          </p:cNvSpPr>
-          <p:nvPr>
-            <p:ph type="body" idx="1"/>
-          </p:nvPr>
-        </p:nvSpPr>
-        <p:spPr/>
-        <p:txBody>
-          <a:bodyPr/>
-          <a:lstStyle/>
-          <a:p>
-            <a:r>
-              <a:rPr lang="en-US" dirty="0"/>
-              <a:t>Demo consists of working with another person on a function using VS Code Live Share.</a:t>
-            </a:r>
-          </a:p>
-          <a:p>
-            <a:endParaRPr lang="en-US" dirty="0"/>
-          </a:p>
-          <a:p>
-            <a:r>
-              <a:rPr lang="en-US" dirty="0"/>
-              <a:t>NOTE: This is a basic “hello world” function and does not show any proprietary code of any kind. The focus is not the code but rather how to use the VS Code Live Share feature.</a:t>
-            </a:r>
-          </a:p>
-        </p:txBody>
-      </p:sp>
-      <p:sp>
-        <p:nvSpPr>
-          <p:cNvPr id="4" name="Slide Number Placeholder 3"/>
-          <p:cNvSpPr>
-            <a:spLocks noGrp="1"/>
-          </p:cNvSpPr>
-          <p:nvPr>
-            <p:ph type="sldNum" sz="quarter" idx="5"/>
-          </p:nvPr>
-        </p:nvSpPr>
-        <p:spPr/>
-        <p:txBody>
-          <a:bodyPr/>
-          <a:lstStyle/>
-          <a:p>
-            <a:fld id="{F4C7BE4A-F586-4EDB-A910-A79112EF8A8E}" type="slidenum">
-              <a:rPr lang="en-US" smtClean="0"/>
-              <a:t>20</a:t>
-            </a:fld>
-            <a:endParaRPr lang="en-US"/>
-          </a:p>
-        </p:txBody>
-      </p:sp>
     </p:spTree>
-    <p:extLst>
-      <p:ext uri="{BB962C8B-B14F-4D97-AF65-F5344CB8AC3E}">
-        <p14:creationId xmlns:p14="http://schemas.microsoft.com/office/powerpoint/2010/main" val="1819703647"/>
-      </p:ext>
-    </p:extLst>
   </p:cSld>
   <p:clrMapOvr>
     <a:masterClrMapping/>
@@ -931,7 +958,7 @@
           <a:p>
             <a:r>
               <a:rPr lang="en-US" dirty="0"/>
-              <a:t>PowerShell Core is cross platform and that means IE is not available everywhere. Internet Explorer was used for HTML parsing. That means we no longer have anything but basic html parsing available.</a:t>
+              <a:t>Demo consists of working with another person on a function using VS Code Live Share.</a:t>
             </a:r>
           </a:p>
           <a:p>
@@ -940,31 +967,8 @@
           <a:p>
             <a:r>
               <a:rPr lang="en-US" dirty="0"/>
-              <a:t>The good news is that the IE integration was a major pain in headless automation. You either needed to ensure –UseBasicParsing was present or login as the service account and perform first run configuration for IE.</a:t>
-            </a:r>
-          </a:p>
-          <a:p>
-            <a:endParaRPr lang="en-US" dirty="0"/>
-          </a:p>
-          <a:p>
-            <a:r>
-              <a:rPr lang="en-US" dirty="0"/>
-              <a:t>HTTP and HTTPS are now the only supported protocols. No more FILE:// and FTP:// support. This may be problematic. FILE support is probably not a loss as you could use get-content, but no FTP support may be painful.</a:t>
-            </a:r>
-          </a:p>
-          <a:p>
-            <a:endParaRPr lang="en-US" dirty="0"/>
-          </a:p>
-          <a:p>
-            <a:r>
-              <a:rPr lang="en-US" dirty="0"/>
-              <a:t>.NET Core dropped SSL 3.0 support. Now only TLS 1.0, 1.1, and 1.2 </a:t>
-            </a:r>
-            <a:r>
-              <a:rPr lang="en-US"/>
-              <a:t>are supported. </a:t>
-            </a:r>
-            <a:endParaRPr lang="en-US" dirty="0"/>
+              <a:t>NOTE: This is a basic “hello world” function and does not show any proprietary code of any kind. The focus is not the code but rather how to use the VS Code Live Share feature.</a:t>
+            </a:r>
           </a:p>
         </p:txBody>
       </p:sp>
@@ -994,7 +998,7 @@
     </p:spTree>
     <p:extLst>
       <p:ext uri="{BB962C8B-B14F-4D97-AF65-F5344CB8AC3E}">
-        <p14:creationId xmlns:p14="http://schemas.microsoft.com/office/powerpoint/2010/main" val="4052017972"/>
+        <p14:creationId xmlns:p14="http://schemas.microsoft.com/office/powerpoint/2010/main" val="1819703647"/>
       </p:ext>
     </p:extLst>
   </p:cSld>
@@ -1050,7 +1054,7 @@
           <a:p>
             <a:r>
               <a:rPr lang="en-US" dirty="0"/>
-              <a:t>Demo consists of working with another person on a function using VS Code Live Share.</a:t>
+              <a:t>PowerShell Core is cross platform and that means IE is not available everywhere. Internet Explorer was used for HTML parsing. That means we no longer have anything but basic html parsing available.</a:t>
             </a:r>
           </a:p>
           <a:p>
@@ -1059,8 +1063,31 @@
           <a:p>
             <a:r>
               <a:rPr lang="en-US" dirty="0"/>
-              <a:t>NOTE: This is a basic “hello world” function and does not show any proprietary code of any kind. The focus is not the code but rather how to use the VS Code Live Share feature.</a:t>
-            </a:r>
+              <a:t>The good news is that the IE integration was a major pain in headless automation. You either needed to ensure –UseBasicParsing was present or login as the service account and perform first run configuration for IE.</a:t>
+            </a:r>
+          </a:p>
+          <a:p>
+            <a:endParaRPr lang="en-US" dirty="0"/>
+          </a:p>
+          <a:p>
+            <a:r>
+              <a:rPr lang="en-US" dirty="0"/>
+              <a:t>HTTP and HTTPS are now the only supported protocols. No more FILE:// and FTP:// support. This may be problematic. FILE support is probably not a loss as you could use get-content, but no FTP support may be painful.</a:t>
+            </a:r>
+          </a:p>
+          <a:p>
+            <a:endParaRPr lang="en-US" dirty="0"/>
+          </a:p>
+          <a:p>
+            <a:r>
+              <a:rPr lang="en-US" dirty="0"/>
+              <a:t>.NET Core dropped SSL 3.0 support. Now only TLS 1.0, 1.1, and 1.2 </a:t>
+            </a:r>
+            <a:r>
+              <a:rPr lang="en-US"/>
+              <a:t>are supported. </a:t>
+            </a:r>
+            <a:endParaRPr lang="en-US" dirty="0"/>
           </a:p>
         </p:txBody>
       </p:sp>
@@ -1090,7 +1117,7 @@
     </p:spTree>
     <p:extLst>
       <p:ext uri="{BB962C8B-B14F-4D97-AF65-F5344CB8AC3E}">
-        <p14:creationId xmlns:p14="http://schemas.microsoft.com/office/powerpoint/2010/main" val="3402596445"/>
+        <p14:creationId xmlns:p14="http://schemas.microsoft.com/office/powerpoint/2010/main" val="4052017972"/>
       </p:ext>
     </p:extLst>
   </p:cSld>
@@ -1146,7 +1173,7 @@
           <a:p>
             <a:r>
               <a:rPr lang="en-US" dirty="0"/>
-              <a:t>PowerShell Core is cross platform and that means IE is not available everywhere. Internet Explorer was used for HTML parsing. That means we no longer have anything but basic html parsing available.</a:t>
+              <a:t>Demo consists of working with another person on a function using VS Code Live Share.</a:t>
             </a:r>
           </a:p>
           <a:p>
@@ -1155,31 +1182,8 @@
           <a:p>
             <a:r>
               <a:rPr lang="en-US" dirty="0"/>
-              <a:t>The good news is that the IE integration was a major pain in headless automation. You either needed to ensure –UseBasicParsing was present or login as the service account and perform first run configuration for IE.</a:t>
-            </a:r>
-          </a:p>
-          <a:p>
-            <a:endParaRPr lang="en-US" dirty="0"/>
-          </a:p>
-          <a:p>
-            <a:r>
-              <a:rPr lang="en-US" dirty="0"/>
-              <a:t>HTTP and HTTPS are now the only supported protocols. No more FILE:// and FTP:// support. This may be problematic. FILE support is probably not a loss as you could use get-content, but no FTP support may be painful.</a:t>
-            </a:r>
-          </a:p>
-          <a:p>
-            <a:endParaRPr lang="en-US" dirty="0"/>
-          </a:p>
-          <a:p>
-            <a:r>
-              <a:rPr lang="en-US" dirty="0"/>
-              <a:t>.NET Core dropped SSL 3.0 support. Now only TLS 1.0, 1.1, and 1.2 </a:t>
-            </a:r>
-            <a:r>
-              <a:rPr lang="en-US"/>
-              <a:t>are supported. </a:t>
-            </a:r>
-            <a:endParaRPr lang="en-US" dirty="0"/>
+              <a:t>NOTE: This is a basic “hello world” function and does not show any proprietary code of any kind. The focus is not the code but rather how to use the VS Code Live Share feature.</a:t>
+            </a:r>
           </a:p>
         </p:txBody>
       </p:sp>
@@ -1209,7 +1213,7 @@
     </p:spTree>
     <p:extLst>
       <p:ext uri="{BB962C8B-B14F-4D97-AF65-F5344CB8AC3E}">
-        <p14:creationId xmlns:p14="http://schemas.microsoft.com/office/powerpoint/2010/main" val="1964086678"/>
+        <p14:creationId xmlns:p14="http://schemas.microsoft.com/office/powerpoint/2010/main" val="3402596445"/>
       </p:ext>
     </p:extLst>
   </p:cSld>
@@ -1265,7 +1269,7 @@
           <a:p>
             <a:r>
               <a:rPr lang="en-US" dirty="0"/>
-              <a:t>Demo consists of working with another person on a function using VS Code Live Share.</a:t>
+              <a:t>PowerShell Core is cross platform and that means IE is not available everywhere. Internet Explorer was used for HTML parsing. That means we no longer have anything but basic html parsing available.</a:t>
             </a:r>
           </a:p>
           <a:p>
@@ -1274,8 +1278,31 @@
           <a:p>
             <a:r>
               <a:rPr lang="en-US" dirty="0"/>
-              <a:t>NOTE: This is a basic “hello world” function and does not show any proprietary code of any kind. The focus is not the code but rather how to use the VS Code Live Share feature.</a:t>
-            </a:r>
+              <a:t>The good news is that the IE integration was a major pain in headless automation. You either needed to ensure –UseBasicParsing was present or login as the service account and perform first run configuration for IE.</a:t>
+            </a:r>
+          </a:p>
+          <a:p>
+            <a:endParaRPr lang="en-US" dirty="0"/>
+          </a:p>
+          <a:p>
+            <a:r>
+              <a:rPr lang="en-US" dirty="0"/>
+              <a:t>HTTP and HTTPS are now the only supported protocols. No more FILE:// and FTP:// support. This may be problematic. FILE support is probably not a loss as you could use get-content, but no FTP support may be painful.</a:t>
+            </a:r>
+          </a:p>
+          <a:p>
+            <a:endParaRPr lang="en-US" dirty="0"/>
+          </a:p>
+          <a:p>
+            <a:r>
+              <a:rPr lang="en-US" dirty="0"/>
+              <a:t>.NET Core dropped SSL 3.0 support. Now only TLS 1.0, 1.1, and 1.2 </a:t>
+            </a:r>
+            <a:r>
+              <a:rPr lang="en-US"/>
+              <a:t>are supported. </a:t>
+            </a:r>
+            <a:endParaRPr lang="en-US" dirty="0"/>
           </a:p>
         </p:txBody>
       </p:sp>
@@ -1305,7 +1332,7 @@
     </p:spTree>
     <p:extLst>
       <p:ext uri="{BB962C8B-B14F-4D97-AF65-F5344CB8AC3E}">
-        <p14:creationId xmlns:p14="http://schemas.microsoft.com/office/powerpoint/2010/main" val="3585866464"/>
+        <p14:creationId xmlns:p14="http://schemas.microsoft.com/office/powerpoint/2010/main" val="1964086678"/>
       </p:ext>
     </p:extLst>
   </p:cSld>
@@ -1332,7 +1359,78 @@
           <a:chExt cx="0" cy="0"/>
         </a:xfrm>
       </p:grpSpPr>
+      <p:sp>
+        <p:nvSpPr>
+          <p:cNvPr id="2" name="Slide Image Placeholder 1"/>
+          <p:cNvSpPr>
+            <a:spLocks noGrp="1" noRot="1" noChangeAspect="1"/>
+          </p:cNvSpPr>
+          <p:nvPr>
+            <p:ph type="sldImg"/>
+          </p:nvPr>
+        </p:nvSpPr>
+        <p:spPr/>
+      </p:sp>
+      <p:sp>
+        <p:nvSpPr>
+          <p:cNvPr id="3" name="Notes Placeholder 2"/>
+          <p:cNvSpPr>
+            <a:spLocks noGrp="1"/>
+          </p:cNvSpPr>
+          <p:nvPr>
+            <p:ph type="body" idx="1"/>
+          </p:nvPr>
+        </p:nvSpPr>
+        <p:spPr/>
+        <p:txBody>
+          <a:bodyPr/>
+          <a:lstStyle/>
+          <a:p>
+            <a:r>
+              <a:rPr lang="en-US" dirty="0"/>
+              <a:t>Demo consists of working with another person on a function using VS Code Live Share.</a:t>
+            </a:r>
+          </a:p>
+          <a:p>
+            <a:endParaRPr lang="en-US" dirty="0"/>
+          </a:p>
+          <a:p>
+            <a:r>
+              <a:rPr lang="en-US" dirty="0"/>
+              <a:t>NOTE: This is a basic “hello world” function and does not show any proprietary code of any kind. The focus is not the code but rather how to use the VS Code Live Share feature.</a:t>
+            </a:r>
+          </a:p>
+        </p:txBody>
+      </p:sp>
+      <p:sp>
+        <p:nvSpPr>
+          <p:cNvPr id="4" name="Slide Number Placeholder 3"/>
+          <p:cNvSpPr>
+            <a:spLocks noGrp="1"/>
+          </p:cNvSpPr>
+          <p:nvPr>
+            <p:ph type="sldNum" sz="quarter" idx="5"/>
+          </p:nvPr>
+        </p:nvSpPr>
+        <p:spPr/>
+        <p:txBody>
+          <a:bodyPr/>
+          <a:lstStyle/>
+          <a:p>
+            <a:fld id="{F4C7BE4A-F586-4EDB-A910-A79112EF8A8E}" type="slidenum">
+              <a:rPr lang="en-US" smtClean="0"/>
+              <a:t>25</a:t>
+            </a:fld>
+            <a:endParaRPr lang="en-US"/>
+          </a:p>
+        </p:txBody>
+      </p:sp>
     </p:spTree>
+    <p:extLst>
+      <p:ext uri="{BB962C8B-B14F-4D97-AF65-F5344CB8AC3E}">
+        <p14:creationId xmlns:p14="http://schemas.microsoft.com/office/powerpoint/2010/main" val="3585866464"/>
+      </p:ext>
+    </p:extLst>
   </p:cSld>
   <p:clrMapOvr>
     <a:masterClrMapping/>
@@ -1567,6 +1665,31 @@
         </a:xfrm>
       </p:grpSpPr>
     </p:spTree>
+  </p:cSld>
+  <p:clrMapOvr>
+    <a:masterClrMapping/>
+  </p:clrMapOvr>
+</p:notes>
+</file>
+
+<file path=ppt/notesSlides/notesSlide24.xml><?xml version="1.0" encoding="utf-8"?>
+<p:notes xmlns:a="http://schemas.openxmlformats.org/drawingml/2006/main" xmlns:r="http://schemas.openxmlformats.org/officeDocument/2006/relationships" xmlns:p="http://schemas.openxmlformats.org/presentationml/2006/main">
+  <p:cSld>
+    <p:spTree>
+      <p:nvGrpSpPr>
+        <p:cNvPr id="1" name=""/>
+        <p:cNvGrpSpPr/>
+        <p:nvPr/>
+      </p:nvGrpSpPr>
+      <p:grpSpPr>
+        <a:xfrm>
+          <a:off x="0" y="0"/>
+          <a:ext cx="0" cy="0"/>
+          <a:chOff x="0" y="0"/>
+          <a:chExt cx="0" cy="0"/>
+        </a:xfrm>
+      </p:grpSpPr>
+    </p:spTree>
     <p:extLst>
       <p:ext uri="{BB962C8B-B14F-4D97-AF65-F5344CB8AC3E}">
         <p14:creationId xmlns:p14="http://schemas.microsoft.com/office/powerpoint/2010/main" val="1799718857"/>
@@ -1579,7 +1702,7 @@
 </p:notes>
 </file>
 
-<file path=ppt/notesSlides/notesSlide24.xml><?xml version="1.0" encoding="utf-8"?>
+<file path=ppt/notesSlides/notesSlide25.xml><?xml version="1.0" encoding="utf-8"?>
 <p:notes xmlns:a="http://schemas.openxmlformats.org/drawingml/2006/main" xmlns:r="http://schemas.openxmlformats.org/officeDocument/2006/relationships" xmlns:p="http://schemas.openxmlformats.org/presentationml/2006/main">
   <p:cSld>
     <p:spTree>
@@ -1609,7 +1732,7 @@
 </p:notes>
 </file>
 
-<file path=ppt/notesSlides/notesSlide25.xml><?xml version="1.0" encoding="utf-8"?>
+<file path=ppt/notesSlides/notesSlide26.xml><?xml version="1.0" encoding="utf-8"?>
 <p:notes xmlns:a="http://schemas.openxmlformats.org/drawingml/2006/main" xmlns:r="http://schemas.openxmlformats.org/officeDocument/2006/relationships" xmlns:p="http://schemas.openxmlformats.org/presentationml/2006/main">
   <p:cSld>
     <p:spTree>
@@ -1639,7 +1762,7 @@
 </p:notes>
 </file>
 
-<file path=ppt/notesSlides/notesSlide26.xml><?xml version="1.0" encoding="utf-8"?>
+<file path=ppt/notesSlides/notesSlide27.xml><?xml version="1.0" encoding="utf-8"?>
 <p:notes xmlns:a="http://schemas.openxmlformats.org/drawingml/2006/main" xmlns:r="http://schemas.openxmlformats.org/officeDocument/2006/relationships" xmlns:p="http://schemas.openxmlformats.org/presentationml/2006/main">
   <p:cSld>
     <p:spTree>
@@ -1669,7 +1792,7 @@
 </p:notes>
 </file>
 
-<file path=ppt/notesSlides/notesSlide27.xml><?xml version="1.0" encoding="utf-8"?>
+<file path=ppt/notesSlides/notesSlide28.xml><?xml version="1.0" encoding="utf-8"?>
 <p:notes xmlns:a="http://schemas.openxmlformats.org/drawingml/2006/main" xmlns:r="http://schemas.openxmlformats.org/officeDocument/2006/relationships" xmlns:p="http://schemas.openxmlformats.org/presentationml/2006/main">
   <p:cSld>
     <p:spTree>
@@ -1699,7 +1822,7 @@
 </p:notes>
 </file>
 
-<file path=ppt/notesSlides/notesSlide28.xml><?xml version="1.0" encoding="utf-8"?>
+<file path=ppt/notesSlides/notesSlide29.xml><?xml version="1.0" encoding="utf-8"?>
 <p:notes xmlns:a="http://schemas.openxmlformats.org/drawingml/2006/main" xmlns:r="http://schemas.openxmlformats.org/officeDocument/2006/relationships" xmlns:p="http://schemas.openxmlformats.org/presentationml/2006/main">
   <p:cSld>
     <p:spTree>
@@ -1720,36 +1843,6 @@
     <p:extLst>
       <p:ext uri="{BB962C8B-B14F-4D97-AF65-F5344CB8AC3E}">
         <p14:creationId xmlns:p14="http://schemas.microsoft.com/office/powerpoint/2010/main" val="1828516728"/>
-      </p:ext>
-    </p:extLst>
-  </p:cSld>
-  <p:clrMapOvr>
-    <a:masterClrMapping/>
-  </p:clrMapOvr>
-</p:notes>
-</file>
-
-<file path=ppt/notesSlides/notesSlide29.xml><?xml version="1.0" encoding="utf-8"?>
-<p:notes xmlns:a="http://schemas.openxmlformats.org/drawingml/2006/main" xmlns:r="http://schemas.openxmlformats.org/officeDocument/2006/relationships" xmlns:p="http://schemas.openxmlformats.org/presentationml/2006/main">
-  <p:cSld>
-    <p:spTree>
-      <p:nvGrpSpPr>
-        <p:cNvPr id="1" name=""/>
-        <p:cNvGrpSpPr/>
-        <p:nvPr/>
-      </p:nvGrpSpPr>
-      <p:grpSpPr>
-        <a:xfrm>
-          <a:off x="0" y="0"/>
-          <a:ext cx="0" cy="0"/>
-          <a:chOff x="0" y="0"/>
-          <a:chExt cx="0" cy="0"/>
-        </a:xfrm>
-      </p:grpSpPr>
-    </p:spTree>
-    <p:extLst>
-      <p:ext uri="{BB962C8B-B14F-4D97-AF65-F5344CB8AC3E}">
-        <p14:creationId xmlns:p14="http://schemas.microsoft.com/office/powerpoint/2010/main" val="1672450127"/>
       </p:ext>
     </p:extLst>
   </p:cSld>
@@ -1898,7 +1991,67 @@
     </p:spTree>
     <p:extLst>
       <p:ext uri="{BB962C8B-B14F-4D97-AF65-F5344CB8AC3E}">
+        <p14:creationId xmlns:p14="http://schemas.microsoft.com/office/powerpoint/2010/main" val="1672450127"/>
+      </p:ext>
+    </p:extLst>
+  </p:cSld>
+  <p:clrMapOvr>
+    <a:masterClrMapping/>
+  </p:clrMapOvr>
+</p:notes>
+</file>
+
+<file path=ppt/notesSlides/notesSlide31.xml><?xml version="1.0" encoding="utf-8"?>
+<p:notes xmlns:a="http://schemas.openxmlformats.org/drawingml/2006/main" xmlns:r="http://schemas.openxmlformats.org/officeDocument/2006/relationships" xmlns:p="http://schemas.openxmlformats.org/presentationml/2006/main">
+  <p:cSld>
+    <p:spTree>
+      <p:nvGrpSpPr>
+        <p:cNvPr id="1" name=""/>
+        <p:cNvGrpSpPr/>
+        <p:nvPr/>
+      </p:nvGrpSpPr>
+      <p:grpSpPr>
+        <a:xfrm>
+          <a:off x="0" y="0"/>
+          <a:ext cx="0" cy="0"/>
+          <a:chOff x="0" y="0"/>
+          <a:chExt cx="0" cy="0"/>
+        </a:xfrm>
+      </p:grpSpPr>
+    </p:spTree>
+    <p:extLst>
+      <p:ext uri="{BB962C8B-B14F-4D97-AF65-F5344CB8AC3E}">
         <p14:creationId xmlns:p14="http://schemas.microsoft.com/office/powerpoint/2010/main" val="603066573"/>
+      </p:ext>
+    </p:extLst>
+  </p:cSld>
+  <p:clrMapOvr>
+    <a:masterClrMapping/>
+  </p:clrMapOvr>
+</p:notes>
+</file>
+
+<file path=ppt/notesSlides/notesSlide32.xml><?xml version="1.0" encoding="utf-8"?>
+<p:notes xmlns:a="http://schemas.openxmlformats.org/drawingml/2006/main" xmlns:r="http://schemas.openxmlformats.org/officeDocument/2006/relationships" xmlns:p="http://schemas.openxmlformats.org/presentationml/2006/main">
+  <p:cSld>
+    <p:spTree>
+      <p:nvGrpSpPr>
+        <p:cNvPr id="1" name=""/>
+        <p:cNvGrpSpPr/>
+        <p:nvPr/>
+      </p:nvGrpSpPr>
+      <p:grpSpPr>
+        <a:xfrm>
+          <a:off x="0" y="0"/>
+          <a:ext cx="0" cy="0"/>
+          <a:chOff x="0" y="0"/>
+          <a:chExt cx="0" cy="0"/>
+        </a:xfrm>
+      </p:grpSpPr>
+    </p:spTree>
+    <p:extLst>
+      <p:ext uri="{BB962C8B-B14F-4D97-AF65-F5344CB8AC3E}">
+        <p14:creationId xmlns:p14="http://schemas.microsoft.com/office/powerpoint/2010/main" val="2869472952"/>
       </p:ext>
     </p:extLst>
   </p:cSld>
@@ -1954,7 +2107,7 @@
           <a:p>
             <a:r>
               <a:rPr lang="en-US" dirty="0"/>
-              <a:t>Demo consists of working with another person on a function using VS Code Live Share.</a:t>
+              <a:t>PowerShell Core is cross platform and that means IE is not available everywhere. Internet Explorer was used for HTML parsing. That means we no longer have anything but basic html parsing available.</a:t>
             </a:r>
           </a:p>
           <a:p>
@@ -1963,8 +2116,31 @@
           <a:p>
             <a:r>
               <a:rPr lang="en-US" dirty="0"/>
-              <a:t>NOTE: This is a basic “hello world” function and does not show any proprietary code of any kind. The focus is not the code but rather how to use the VS Code Live Share feature.</a:t>
-            </a:r>
+              <a:t>The good news is that the IE integration was a major pain in headless automation. You either needed to ensure –UseBasicParsing was present or login as the service account and perform first run configuration for IE.</a:t>
+            </a:r>
+          </a:p>
+          <a:p>
+            <a:endParaRPr lang="en-US" dirty="0"/>
+          </a:p>
+          <a:p>
+            <a:r>
+              <a:rPr lang="en-US" dirty="0"/>
+              <a:t>HTTP and HTTPS are now the only supported protocols. No more FILE:// and FTP:// support. This may be problematic. FILE support is probably not a loss as you could use get-content, but no FTP support may be painful.</a:t>
+            </a:r>
+          </a:p>
+          <a:p>
+            <a:endParaRPr lang="en-US" dirty="0"/>
+          </a:p>
+          <a:p>
+            <a:r>
+              <a:rPr lang="en-US" dirty="0"/>
+              <a:t>.NET Core dropped SSL 3.0 support. Now only TLS 1.0, 1.1, and 1.2 </a:t>
+            </a:r>
+            <a:r>
+              <a:rPr lang="en-US"/>
+              <a:t>are supported. </a:t>
+            </a:r>
+            <a:endParaRPr lang="en-US" dirty="0"/>
           </a:p>
         </p:txBody>
       </p:sp>
@@ -1994,7 +2170,7 @@
     </p:spTree>
     <p:extLst>
       <p:ext uri="{BB962C8B-B14F-4D97-AF65-F5344CB8AC3E}">
-        <p14:creationId xmlns:p14="http://schemas.microsoft.com/office/powerpoint/2010/main" val="3186093873"/>
+        <p14:creationId xmlns:p14="http://schemas.microsoft.com/office/powerpoint/2010/main" val="1390348949"/>
       </p:ext>
     </p:extLst>
   </p:cSld>
@@ -2050,7 +2226,7 @@
           <a:p>
             <a:r>
               <a:rPr lang="en-US" dirty="0"/>
-              <a:t>PowerShell Core is cross platform and that means IE is not available everywhere. Internet Explorer was used for HTML parsing. That means we no longer have anything but basic html parsing available.</a:t>
+              <a:t>Demo consists of working with another person on a function using VS Code Live Share.</a:t>
             </a:r>
           </a:p>
           <a:p>
@@ -2059,31 +2235,8 @@
           <a:p>
             <a:r>
               <a:rPr lang="en-US" dirty="0"/>
-              <a:t>The good news is that the IE integration was a major pain in headless automation. You either needed to ensure –UseBasicParsing was present or login as the service account and perform first run configuration for IE.</a:t>
-            </a:r>
-          </a:p>
-          <a:p>
-            <a:endParaRPr lang="en-US" dirty="0"/>
-          </a:p>
-          <a:p>
-            <a:r>
-              <a:rPr lang="en-US" dirty="0"/>
-              <a:t>HTTP and HTTPS are now the only supported protocols. No more FILE:// and FTP:// support. This may be problematic. FILE support is probably not a loss as you could use get-content, but no FTP support may be painful.</a:t>
-            </a:r>
-          </a:p>
-          <a:p>
-            <a:endParaRPr lang="en-US" dirty="0"/>
-          </a:p>
-          <a:p>
-            <a:r>
-              <a:rPr lang="en-US" dirty="0"/>
-              <a:t>.NET Core dropped SSL 3.0 support. Now only TLS 1.0, 1.1, and 1.2 </a:t>
-            </a:r>
-            <a:r>
-              <a:rPr lang="en-US"/>
-              <a:t>are supported. </a:t>
-            </a:r>
-            <a:endParaRPr lang="en-US" dirty="0"/>
+              <a:t>NOTE: This is a basic “hello world” function and does not show any proprietary code of any kind. The focus is not the code but rather how to use the VS Code Live Share feature.</a:t>
+            </a:r>
           </a:p>
         </p:txBody>
       </p:sp>
@@ -2113,7 +2266,7 @@
     </p:spTree>
     <p:extLst>
       <p:ext uri="{BB962C8B-B14F-4D97-AF65-F5344CB8AC3E}">
-        <p14:creationId xmlns:p14="http://schemas.microsoft.com/office/powerpoint/2010/main" val="1502131983"/>
+        <p14:creationId xmlns:p14="http://schemas.microsoft.com/office/powerpoint/2010/main" val="3186093873"/>
       </p:ext>
     </p:extLst>
   </p:cSld>
@@ -2169,7 +2322,7 @@
           <a:p>
             <a:r>
               <a:rPr lang="en-US" dirty="0"/>
-              <a:t>Demo consists of working with another person on a function using VS Code Live Share.</a:t>
+              <a:t>PowerShell Core is cross platform and that means IE is not available everywhere. Internet Explorer was used for HTML parsing. That means we no longer have anything but basic html parsing available.</a:t>
             </a:r>
           </a:p>
           <a:p>
@@ -2178,8 +2331,31 @@
           <a:p>
             <a:r>
               <a:rPr lang="en-US" dirty="0"/>
-              <a:t>NOTE: This is a basic “hello world” function and does not show any proprietary code of any kind. The focus is not the code but rather how to use the VS Code Live Share feature.</a:t>
-            </a:r>
+              <a:t>The good news is that the IE integration was a major pain in headless automation. You either needed to ensure –UseBasicParsing was present or login as the service account and perform first run configuration for IE.</a:t>
+            </a:r>
+          </a:p>
+          <a:p>
+            <a:endParaRPr lang="en-US" dirty="0"/>
+          </a:p>
+          <a:p>
+            <a:r>
+              <a:rPr lang="en-US" dirty="0"/>
+              <a:t>HTTP and HTTPS are now the only supported protocols. No more FILE:// and FTP:// support. This may be problematic. FILE support is probably not a loss as you could use get-content, but no FTP support may be painful.</a:t>
+            </a:r>
+          </a:p>
+          <a:p>
+            <a:endParaRPr lang="en-US" dirty="0"/>
+          </a:p>
+          <a:p>
+            <a:r>
+              <a:rPr lang="en-US" dirty="0"/>
+              <a:t>.NET Core dropped SSL 3.0 support. Now only TLS 1.0, 1.1, and 1.2 </a:t>
+            </a:r>
+            <a:r>
+              <a:rPr lang="en-US"/>
+              <a:t>are supported. </a:t>
+            </a:r>
+            <a:endParaRPr lang="en-US" dirty="0"/>
           </a:p>
         </p:txBody>
       </p:sp>
@@ -2209,7 +2385,7 @@
     </p:spTree>
     <p:extLst>
       <p:ext uri="{BB962C8B-B14F-4D97-AF65-F5344CB8AC3E}">
-        <p14:creationId xmlns:p14="http://schemas.microsoft.com/office/powerpoint/2010/main" val="795516546"/>
+        <p14:creationId xmlns:p14="http://schemas.microsoft.com/office/powerpoint/2010/main" val="1502131983"/>
       </p:ext>
     </p:extLst>
   </p:cSld>
@@ -2265,7 +2441,7 @@
           <a:p>
             <a:r>
               <a:rPr lang="en-US" dirty="0"/>
-              <a:t>PowerShell Core is cross platform and that means IE is not available everywhere. Internet Explorer was used for HTML parsing. That means we no longer have anything but basic html parsing available.</a:t>
+              <a:t>Demo consists of working with another person on a function using VS Code Live Share.</a:t>
             </a:r>
           </a:p>
           <a:p>
@@ -2274,31 +2450,8 @@
           <a:p>
             <a:r>
               <a:rPr lang="en-US" dirty="0"/>
-              <a:t>The good news is that the IE integration was a major pain in headless automation. You either needed to ensure –UseBasicParsing was present or login as the service account and perform first run configuration for IE.</a:t>
-            </a:r>
-          </a:p>
-          <a:p>
-            <a:endParaRPr lang="en-US" dirty="0"/>
-          </a:p>
-          <a:p>
-            <a:r>
-              <a:rPr lang="en-US" dirty="0"/>
-              <a:t>HTTP and HTTPS are now the only supported protocols. No more FILE:// and FTP:// support. This may be problematic. FILE support is probably not a loss as you could use get-content, but no FTP support may be painful.</a:t>
-            </a:r>
-          </a:p>
-          <a:p>
-            <a:endParaRPr lang="en-US" dirty="0"/>
-          </a:p>
-          <a:p>
-            <a:r>
-              <a:rPr lang="en-US" dirty="0"/>
-              <a:t>.NET Core dropped SSL 3.0 support. Now only TLS 1.0, 1.1, and 1.2 </a:t>
-            </a:r>
-            <a:r>
-              <a:rPr lang="en-US"/>
-              <a:t>are supported. </a:t>
-            </a:r>
-            <a:endParaRPr lang="en-US" dirty="0"/>
+              <a:t>NOTE: This is a basic “hello world” function and does not show any proprietary code of any kind. The focus is not the code but rather how to use the VS Code Live Share feature.</a:t>
+            </a:r>
           </a:p>
         </p:txBody>
       </p:sp>
@@ -2328,7 +2481,7 @@
     </p:spTree>
     <p:extLst>
       <p:ext uri="{BB962C8B-B14F-4D97-AF65-F5344CB8AC3E}">
-        <p14:creationId xmlns:p14="http://schemas.microsoft.com/office/powerpoint/2010/main" val="3406035530"/>
+        <p14:creationId xmlns:p14="http://schemas.microsoft.com/office/powerpoint/2010/main" val="795516546"/>
       </p:ext>
     </p:extLst>
   </p:cSld>
@@ -2384,7 +2537,7 @@
           <a:p>
             <a:r>
               <a:rPr lang="en-US" dirty="0"/>
-              <a:t>Demo consists of working with another person on a function using VS Code Live Share.</a:t>
+              <a:t>PowerShell Core is cross platform and that means IE is not available everywhere. Internet Explorer was used for HTML parsing. That means we no longer have anything but basic html parsing available.</a:t>
             </a:r>
           </a:p>
           <a:p>
@@ -2393,8 +2546,31 @@
           <a:p>
             <a:r>
               <a:rPr lang="en-US" dirty="0"/>
-              <a:t>NOTE: This is a basic “hello world” function and does not show any proprietary code of any kind. The focus is not the code but rather how to use the VS Code Live Share feature.</a:t>
-            </a:r>
+              <a:t>The good news is that the IE integration was a major pain in headless automation. You either needed to ensure –UseBasicParsing was present or login as the service account and perform first run configuration for IE.</a:t>
+            </a:r>
+          </a:p>
+          <a:p>
+            <a:endParaRPr lang="en-US" dirty="0"/>
+          </a:p>
+          <a:p>
+            <a:r>
+              <a:rPr lang="en-US" dirty="0"/>
+              <a:t>HTTP and HTTPS are now the only supported protocols. No more FILE:// and FTP:// support. This may be problematic. FILE support is probably not a loss as you could use get-content, but no FTP support may be painful.</a:t>
+            </a:r>
+          </a:p>
+          <a:p>
+            <a:endParaRPr lang="en-US" dirty="0"/>
+          </a:p>
+          <a:p>
+            <a:r>
+              <a:rPr lang="en-US" dirty="0"/>
+              <a:t>.NET Core dropped SSL 3.0 support. Now only TLS 1.0, 1.1, and 1.2 </a:t>
+            </a:r>
+            <a:r>
+              <a:rPr lang="en-US"/>
+              <a:t>are supported. </a:t>
+            </a:r>
+            <a:endParaRPr lang="en-US" dirty="0"/>
           </a:p>
         </p:txBody>
       </p:sp>
@@ -2424,7 +2600,7 @@
     </p:spTree>
     <p:extLst>
       <p:ext uri="{BB962C8B-B14F-4D97-AF65-F5344CB8AC3E}">
-        <p14:creationId xmlns:p14="http://schemas.microsoft.com/office/powerpoint/2010/main" val="3820552086"/>
+        <p14:creationId xmlns:p14="http://schemas.microsoft.com/office/powerpoint/2010/main" val="3406035530"/>
       </p:ext>
     </p:extLst>
   </p:cSld>
@@ -2480,7 +2656,7 @@
           <a:p>
             <a:r>
               <a:rPr lang="en-US" dirty="0"/>
-              <a:t>PowerShell Core is cross platform and that means IE is not available everywhere. Internet Explorer was used for HTML parsing. That means we no longer have anything but basic html parsing available.</a:t>
+              <a:t>Demo consists of working with another person on a function using VS Code Live Share.</a:t>
             </a:r>
           </a:p>
           <a:p>
@@ -2489,31 +2665,8 @@
           <a:p>
             <a:r>
               <a:rPr lang="en-US" dirty="0"/>
-              <a:t>The good news is that the IE integration was a major pain in headless automation. You either needed to ensure –UseBasicParsing was present or login as the service account and perform first run configuration for IE.</a:t>
-            </a:r>
-          </a:p>
-          <a:p>
-            <a:endParaRPr lang="en-US" dirty="0"/>
-          </a:p>
-          <a:p>
-            <a:r>
-              <a:rPr lang="en-US" dirty="0"/>
-              <a:t>HTTP and HTTPS are now the only supported protocols. No more FILE:// and FTP:// support. This may be problematic. FILE support is probably not a loss as you could use get-content, but no FTP support may be painful.</a:t>
-            </a:r>
-          </a:p>
-          <a:p>
-            <a:endParaRPr lang="en-US" dirty="0"/>
-          </a:p>
-          <a:p>
-            <a:r>
-              <a:rPr lang="en-US" dirty="0"/>
-              <a:t>.NET Core dropped SSL 3.0 support. Now only TLS 1.0, 1.1, and 1.2 </a:t>
-            </a:r>
-            <a:r>
-              <a:rPr lang="en-US"/>
-              <a:t>are supported. </a:t>
-            </a:r>
-            <a:endParaRPr lang="en-US" dirty="0"/>
+              <a:t>NOTE: This is a basic “hello world” function and does not show any proprietary code of any kind. The focus is not the code but rather how to use the VS Code Live Share feature.</a:t>
+            </a:r>
           </a:p>
         </p:txBody>
       </p:sp>
@@ -2543,7 +2696,7 @@
     </p:spTree>
     <p:extLst>
       <p:ext uri="{BB962C8B-B14F-4D97-AF65-F5344CB8AC3E}">
-        <p14:creationId xmlns:p14="http://schemas.microsoft.com/office/powerpoint/2010/main" val="2477773706"/>
+        <p14:creationId xmlns:p14="http://schemas.microsoft.com/office/powerpoint/2010/main" val="3820552086"/>
       </p:ext>
     </p:extLst>
   </p:cSld>
@@ -2768,7 +2921,7 @@
             <a:fld id="{B61BEF0D-F0BB-DE4B-95CE-6DB70DBA9567}" type="datetimeFigureOut">
               <a:rPr lang="en-US" smtClean="0"/>
               <a:pPr/>
-              <a:t>4/25/2019</a:t>
+              <a:t>5/1/2019</a:t>
             </a:fld>
             <a:endParaRPr lang="en-US" dirty="0"/>
           </a:p>
@@ -3348,7 +3501,7 @@
             <a:fld id="{B61BEF0D-F0BB-DE4B-95CE-6DB70DBA9567}" type="datetimeFigureOut">
               <a:rPr lang="en-US" smtClean="0"/>
               <a:pPr/>
-              <a:t>4/25/2019</a:t>
+              <a:t>5/1/2019</a:t>
             </a:fld>
             <a:endParaRPr lang="en-US" dirty="0"/>
           </a:p>
@@ -3590,7 +3743,7 @@
             <a:fld id="{B61BEF0D-F0BB-DE4B-95CE-6DB70DBA9567}" type="datetimeFigureOut">
               <a:rPr lang="en-US" smtClean="0"/>
               <a:pPr/>
-              <a:t>4/25/2019</a:t>
+              <a:t>5/1/2019</a:t>
             </a:fld>
             <a:endParaRPr lang="en-US" dirty="0"/>
           </a:p>
@@ -3846,7 +3999,7 @@
             <a:fld id="{B61BEF0D-F0BB-DE4B-95CE-6DB70DBA9567}" type="datetimeFigureOut">
               <a:rPr lang="en-US" smtClean="0"/>
               <a:pPr/>
-              <a:t>4/25/2019</a:t>
+              <a:t>5/1/2019</a:t>
             </a:fld>
             <a:endParaRPr lang="en-US" dirty="0"/>
           </a:p>
@@ -4207,7 +4360,7 @@
             <a:fld id="{B61BEF0D-F0BB-DE4B-95CE-6DB70DBA9567}" type="datetimeFigureOut">
               <a:rPr lang="en-US" smtClean="0"/>
               <a:pPr/>
-              <a:t>4/25/2019</a:t>
+              <a:t>5/1/2019</a:t>
             </a:fld>
             <a:endParaRPr lang="en-US" dirty="0"/>
           </a:p>
@@ -4321,7 +4474,7 @@
             <a:fld id="{B61BEF0D-F0BB-DE4B-95CE-6DB70DBA9567}" type="datetimeFigureOut">
               <a:rPr lang="en-US" smtClean="0"/>
               <a:pPr/>
-              <a:t>4/25/2019</a:t>
+              <a:t>5/1/2019</a:t>
             </a:fld>
             <a:endParaRPr lang="en-US" dirty="0"/>
           </a:p>
@@ -4413,7 +4566,7 @@
             <a:fld id="{B61BEF0D-F0BB-DE4B-95CE-6DB70DBA9567}" type="datetimeFigureOut">
               <a:rPr lang="en-US" smtClean="0"/>
               <a:pPr/>
-              <a:t>4/25/2019</a:t>
+              <a:t>5/1/2019</a:t>
             </a:fld>
             <a:endParaRPr lang="en-US" dirty="0"/>
           </a:p>
@@ -4685,7 +4838,7 @@
             <a:fld id="{B61BEF0D-F0BB-DE4B-95CE-6DB70DBA9567}" type="datetimeFigureOut">
               <a:rPr lang="en-US" smtClean="0"/>
               <a:pPr/>
-              <a:t>4/25/2019</a:t>
+              <a:t>5/1/2019</a:t>
             </a:fld>
             <a:endParaRPr lang="en-US" dirty="0"/>
           </a:p>
@@ -4934,7 +5087,7 @@
             <a:fld id="{B61BEF0D-F0BB-DE4B-95CE-6DB70DBA9567}" type="datetimeFigureOut">
               <a:rPr lang="en-US" smtClean="0"/>
               <a:pPr/>
-              <a:t>4/25/2019</a:t>
+              <a:t>5/1/2019</a:t>
             </a:fld>
             <a:endParaRPr lang="en-US" dirty="0"/>
           </a:p>
@@ -5142,7 +5295,7 @@
             <a:fld id="{B61BEF0D-F0BB-DE4B-95CE-6DB70DBA9567}" type="datetimeFigureOut">
               <a:rPr lang="en-US" smtClean="0"/>
               <a:pPr/>
-              <a:t>4/25/2019</a:t>
+              <a:t>5/1/2019</a:t>
             </a:fld>
             <a:endParaRPr lang="en-US" dirty="0"/>
           </a:p>
@@ -6210,7 +6363,7 @@
           <a:p>
             <a:r>
               <a:rPr lang="en-US" sz="4000" dirty="0"/>
-              <a:t>WebListener and Web Cmdlet Testing</a:t>
+              <a:t>Why Web Cmdlets?</a:t>
             </a:r>
           </a:p>
         </p:txBody>
@@ -6292,26 +6445,37 @@
           <a:p>
             <a:r>
               <a:rPr lang="en-US" dirty="0"/>
-              <a:t>WebListener is an ASP.NET Core Kestrel Server</a:t>
+              <a:t>IT Has Changed</a:t>
             </a:r>
           </a:p>
           <a:p>
             <a:r>
               <a:rPr lang="en-US" dirty="0"/>
-              <a:t>In-CI Cross-Platform Testing</a:t>
-            </a:r>
-            <a:endParaRPr lang="en-US" sz="2000" dirty="0"/>
+              <a:t>REST Rules the World</a:t>
+            </a:r>
           </a:p>
           <a:p>
             <a:r>
               <a:rPr lang="en-US" dirty="0"/>
-              <a:t>200+ Pester Tests for Web Cmdlets</a:t>
+              <a:t>Lightning Demos Featured 2 REST API Wrappers</a:t>
             </a:r>
           </a:p>
           <a:p>
             <a:r>
               <a:rPr lang="en-US" dirty="0"/>
-              <a:t>Used in demos</a:t>
+              <a:t>Clouds run on REST</a:t>
+            </a:r>
+          </a:p>
+          <a:p>
+            <a:r>
+              <a:rPr lang="en-US" dirty="0"/>
+              <a:t>PaaS and Serverless run on REST</a:t>
+            </a:r>
+          </a:p>
+          <a:p>
+            <a:r>
+              <a:rPr lang="en-US" dirty="0"/>
+              <a:t>Your thermostat runs on REST</a:t>
             </a:r>
           </a:p>
         </p:txBody>
@@ -6330,6 +6494,344 @@
 </file>
 
 <file path=ppt/slides/slide12.xml><?xml version="1.0" encoding="utf-8"?>
+<p:sld xmlns:a="http://schemas.openxmlformats.org/drawingml/2006/main" xmlns:r="http://schemas.openxmlformats.org/officeDocument/2006/relationships" xmlns:p="http://schemas.openxmlformats.org/presentationml/2006/main">
+  <p:cSld>
+    <p:bg>
+      <p:bgPr>
+        <a:solidFill>
+          <a:schemeClr val="bg1">
+            <a:tint val="95000"/>
+            <a:satMod val="170000"/>
+          </a:schemeClr>
+        </a:solidFill>
+        <a:effectLst/>
+      </p:bgPr>
+    </p:bg>
+    <p:spTree>
+      <p:nvGrpSpPr>
+        <p:cNvPr id="1" name=""/>
+        <p:cNvGrpSpPr/>
+        <p:nvPr/>
+      </p:nvGrpSpPr>
+      <p:grpSpPr>
+        <a:xfrm>
+          <a:off x="0" y="0"/>
+          <a:ext cx="0" cy="0"/>
+          <a:chOff x="0" y="0"/>
+          <a:chExt cx="0" cy="0"/>
+        </a:xfrm>
+      </p:grpSpPr>
+      <p:sp>
+        <p:nvSpPr>
+          <p:cNvPr id="8" name="Freeform: Shape 7">
+            <a:extLst>
+              <a:ext uri="{FF2B5EF4-FFF2-40B4-BE49-F238E27FC236}">
+                <a16:creationId xmlns:a16="http://schemas.microsoft.com/office/drawing/2014/main" id="{48A740BC-A0AA-45E0-B899-2AE9C6FE11CA}"/>
+              </a:ext>
+              <a:ext uri="{C183D7F6-B498-43B3-948B-1728B52AA6E4}">
+                <adec:decorative xmlns:adec="http://schemas.microsoft.com/office/drawing/2017/decorative" val="1"/>
+              </a:ext>
+            </a:extLst>
+          </p:cNvPr>
+          <p:cNvSpPr>
+            <a:spLocks noGrp="1" noRot="1" noChangeAspect="1" noMove="1" noResize="1" noEditPoints="1" noAdjustHandles="1" noChangeArrowheads="1" noChangeShapeType="1" noTextEdit="1"/>
+          </p:cNvSpPr>
+          <p:nvPr>
+            <p:extLst>
+              <p:ext uri="{386F3935-93C4-4BCD-93E2-E3B085C9AB24}">
+                <p16:designElem xmlns:p16="http://schemas.microsoft.com/office/powerpoint/2015/main" val="1"/>
+              </p:ext>
+            </p:extLst>
+          </p:nvPr>
+        </p:nvSpPr>
+        <p:spPr>
+          <a:xfrm>
+            <a:off x="5913121" y="-2"/>
+            <a:ext cx="6278879" cy="6858002"/>
+          </a:xfrm>
+          <a:custGeom>
+            <a:avLst/>
+            <a:gdLst>
+              <a:gd name="connsiteX0" fmla="*/ 45572 w 6278879"/>
+              <a:gd name="connsiteY0" fmla="*/ 0 h 6858002"/>
+              <a:gd name="connsiteX1" fmla="*/ 6278879 w 6278879"/>
+              <a:gd name="connsiteY1" fmla="*/ 0 h 6858002"/>
+              <a:gd name="connsiteX2" fmla="*/ 6278879 w 6278879"/>
+              <a:gd name="connsiteY2" fmla="*/ 6858002 h 6858002"/>
+              <a:gd name="connsiteX3" fmla="*/ 3292308 w 6278879"/>
+              <a:gd name="connsiteY3" fmla="*/ 6858002 h 6858002"/>
+              <a:gd name="connsiteX4" fmla="*/ 3181526 w 6278879"/>
+              <a:gd name="connsiteY4" fmla="*/ 6786982 h 6858002"/>
+              <a:gd name="connsiteX5" fmla="*/ 0 w 6278879"/>
+              <a:gd name="connsiteY5" fmla="*/ 803254 h 6858002"/>
+              <a:gd name="connsiteX6" fmla="*/ 37255 w 6278879"/>
+              <a:gd name="connsiteY6" fmla="*/ 65447 h 6858002"/>
+            </a:gdLst>
+            <a:ahLst/>
+            <a:cxnLst>
+              <a:cxn ang="0">
+                <a:pos x="connsiteX0" y="connsiteY0"/>
+              </a:cxn>
+              <a:cxn ang="0">
+                <a:pos x="connsiteX1" y="connsiteY1"/>
+              </a:cxn>
+              <a:cxn ang="0">
+                <a:pos x="connsiteX2" y="connsiteY2"/>
+              </a:cxn>
+              <a:cxn ang="0">
+                <a:pos x="connsiteX3" y="connsiteY3"/>
+              </a:cxn>
+              <a:cxn ang="0">
+                <a:pos x="connsiteX4" y="connsiteY4"/>
+              </a:cxn>
+              <a:cxn ang="0">
+                <a:pos x="connsiteX5" y="connsiteY5"/>
+              </a:cxn>
+              <a:cxn ang="0">
+                <a:pos x="connsiteX6" y="connsiteY6"/>
+              </a:cxn>
+            </a:cxnLst>
+            <a:rect l="l" t="t" r="r" b="b"/>
+            <a:pathLst>
+              <a:path w="6278879" h="6858002">
+                <a:moveTo>
+                  <a:pt x="45572" y="0"/>
+                </a:moveTo>
+                <a:lnTo>
+                  <a:pt x="6278879" y="0"/>
+                </a:lnTo>
+                <a:lnTo>
+                  <a:pt x="6278879" y="6858002"/>
+                </a:lnTo>
+                <a:lnTo>
+                  <a:pt x="3292308" y="6858002"/>
+                </a:lnTo>
+                <a:lnTo>
+                  <a:pt x="3181526" y="6786982"/>
+                </a:lnTo>
+                <a:cubicBezTo>
+                  <a:pt x="1262021" y="5490191"/>
+                  <a:pt x="0" y="3294103"/>
+                  <a:pt x="0" y="803254"/>
+                </a:cubicBezTo>
+                <a:cubicBezTo>
+                  <a:pt x="0" y="554169"/>
+                  <a:pt x="12620" y="308032"/>
+                  <a:pt x="37255" y="65447"/>
+                </a:cubicBezTo>
+                <a:close/>
+              </a:path>
+            </a:pathLst>
+          </a:custGeom>
+          <a:solidFill>
+            <a:schemeClr val="bg1">
+              <a:lumMod val="85000"/>
+              <a:lumOff val="15000"/>
+              <a:alpha val="70000"/>
+            </a:schemeClr>
+          </a:solidFill>
+          <a:ln>
+            <a:noFill/>
+          </a:ln>
+        </p:spPr>
+        <p:style>
+          <a:lnRef idx="2">
+            <a:schemeClr val="accent1">
+              <a:shade val="50000"/>
+            </a:schemeClr>
+          </a:lnRef>
+          <a:fillRef idx="1">
+            <a:schemeClr val="accent1"/>
+          </a:fillRef>
+          <a:effectRef idx="0">
+            <a:schemeClr val="accent1"/>
+          </a:effectRef>
+          <a:fontRef idx="minor">
+            <a:schemeClr val="lt1"/>
+          </a:fontRef>
+        </p:style>
+        <p:txBody>
+          <a:bodyPr rtlCol="0" anchor="ctr"/>
+          <a:lstStyle/>
+          <a:p>
+            <a:pPr marL="0" marR="0" lvl="0" indent="0" algn="ctr" defTabSz="914400" rtl="0" eaLnBrk="1" fontAlgn="auto" latinLnBrk="0" hangingPunct="1">
+              <a:lnSpc>
+                <a:spcPct val="100000"/>
+              </a:lnSpc>
+              <a:spcBef>
+                <a:spcPts val="0"/>
+              </a:spcBef>
+              <a:spcAft>
+                <a:spcPts val="0"/>
+              </a:spcAft>
+              <a:buClrTx/>
+              <a:buSzTx/>
+              <a:buFontTx/>
+              <a:buNone/>
+              <a:tabLst/>
+              <a:defRPr/>
+            </a:pPr>
+            <a:endParaRPr kumimoji="0" lang="en-US" sz="1800" b="0" i="0" u="none" strike="noStrike" kern="1200" cap="none" spc="0" normalizeH="0" baseline="0" noProof="0">
+              <a:ln>
+                <a:noFill/>
+              </a:ln>
+              <a:solidFill>
+                <a:prstClr val="white"/>
+              </a:solidFill>
+              <a:effectLst/>
+              <a:uLnTx/>
+              <a:uFillTx/>
+              <a:latin typeface="Calibri" panose="020F0502020204030204"/>
+              <a:ea typeface="+mn-ea"/>
+              <a:cs typeface="+mn-cs"/>
+            </a:endParaRPr>
+          </a:p>
+        </p:txBody>
+      </p:sp>
+      <p:sp>
+        <p:nvSpPr>
+          <p:cNvPr id="2" name="Title 1"/>
+          <p:cNvSpPr>
+            <a:spLocks noGrp="1"/>
+          </p:cNvSpPr>
+          <p:nvPr>
+            <p:ph type="title"/>
+          </p:nvPr>
+        </p:nvSpPr>
+        <p:spPr>
+          <a:xfrm>
+            <a:off x="655320" y="365125"/>
+            <a:ext cx="9013052" cy="1623312"/>
+          </a:xfrm>
+        </p:spPr>
+        <p:txBody>
+          <a:bodyPr anchor="b">
+            <a:normAutofit/>
+          </a:bodyPr>
+          <a:lstStyle/>
+          <a:p>
+            <a:r>
+              <a:rPr lang="en-US" sz="4000" dirty="0"/>
+              <a:t>WebListener and Web Cmdlet Testing</a:t>
+            </a:r>
+          </a:p>
+        </p:txBody>
+      </p:sp>
+      <p:cxnSp>
+        <p:nvCxnSpPr>
+          <p:cNvPr id="10" name="Straight Arrow Connector 9">
+            <a:extLst>
+              <a:ext uri="{FF2B5EF4-FFF2-40B4-BE49-F238E27FC236}">
+                <a16:creationId xmlns:a16="http://schemas.microsoft.com/office/drawing/2014/main" id="{B874EF51-C858-4BB9-97C3-D17755787127}"/>
+              </a:ext>
+              <a:ext uri="{C183D7F6-B498-43B3-948B-1728B52AA6E4}">
+                <adec:decorative xmlns:adec="http://schemas.microsoft.com/office/drawing/2017/decorative" val="1"/>
+              </a:ext>
+            </a:extLst>
+          </p:cNvPr>
+          <p:cNvCxnSpPr>
+            <a:cxnSpLocks noGrp="1" noRot="1" noChangeAspect="1" noMove="1" noResize="1" noEditPoints="1" noAdjustHandles="1" noChangeArrowheads="1" noChangeShapeType="1"/>
+          </p:cNvCxnSpPr>
+          <p:nvPr>
+            <p:extLst>
+              <p:ext uri="{386F3935-93C4-4BCD-93E2-E3B085C9AB24}">
+                <p16:designElem xmlns:p16="http://schemas.microsoft.com/office/powerpoint/2015/main" val="1"/>
+              </p:ext>
+            </p:extLst>
+          </p:nvPr>
+        </p:nvCxnSpPr>
+        <p:spPr>
+          <a:xfrm>
+            <a:off x="763661" y="2316480"/>
+            <a:ext cx="8229600" cy="0"/>
+          </a:xfrm>
+          <a:prstGeom prst="straightConnector1">
+            <a:avLst/>
+          </a:prstGeom>
+          <a:ln w="19050" cap="sq">
+            <a:solidFill>
+              <a:schemeClr val="tx1"/>
+            </a:solidFill>
+            <a:tailEnd type="none"/>
+          </a:ln>
+        </p:spPr>
+        <p:style>
+          <a:lnRef idx="1">
+            <a:schemeClr val="accent1"/>
+          </a:lnRef>
+          <a:fillRef idx="0">
+            <a:schemeClr val="accent1"/>
+          </a:fillRef>
+          <a:effectRef idx="0">
+            <a:schemeClr val="accent1"/>
+          </a:effectRef>
+          <a:fontRef idx="minor">
+            <a:schemeClr val="tx1"/>
+          </a:fontRef>
+        </p:style>
+      </p:cxnSp>
+      <p:sp>
+        <p:nvSpPr>
+          <p:cNvPr id="3" name="Content Placeholder 2"/>
+          <p:cNvSpPr>
+            <a:spLocks noGrp="1"/>
+          </p:cNvSpPr>
+          <p:nvPr>
+            <p:ph idx="1"/>
+          </p:nvPr>
+        </p:nvSpPr>
+        <p:spPr>
+          <a:xfrm>
+            <a:off x="655320" y="2644518"/>
+            <a:ext cx="9013052" cy="3327251"/>
+          </a:xfrm>
+        </p:spPr>
+        <p:txBody>
+          <a:bodyPr>
+            <a:normAutofit/>
+          </a:bodyPr>
+          <a:lstStyle/>
+          <a:p>
+            <a:r>
+              <a:rPr lang="en-US" dirty="0"/>
+              <a:t>WebListener is an ASP.NET Core Kestrel Server</a:t>
+            </a:r>
+          </a:p>
+          <a:p>
+            <a:r>
+              <a:rPr lang="en-US" dirty="0"/>
+              <a:t>In-CI Cross-Platform Testing</a:t>
+            </a:r>
+            <a:endParaRPr lang="en-US" sz="2000" dirty="0"/>
+          </a:p>
+          <a:p>
+            <a:r>
+              <a:rPr lang="en-US" dirty="0"/>
+              <a:t>200+ Pester Tests for Web Cmdlets</a:t>
+            </a:r>
+          </a:p>
+          <a:p>
+            <a:r>
+              <a:rPr lang="en-US" dirty="0"/>
+              <a:t>Used in demos</a:t>
+            </a:r>
+          </a:p>
+        </p:txBody>
+      </p:sp>
+    </p:spTree>
+    <p:extLst>
+      <p:ext uri="{BB962C8B-B14F-4D97-AF65-F5344CB8AC3E}">
+        <p14:creationId xmlns:p14="http://schemas.microsoft.com/office/powerpoint/2010/main" val="1277160580"/>
+      </p:ext>
+    </p:extLst>
+  </p:cSld>
+  <p:clrMapOvr>
+    <a:overrideClrMapping bg1="dk1" tx1="lt1" bg2="dk2" tx2="lt2" accent1="accent1" accent2="accent2" accent3="accent3" accent4="accent4" accent5="accent5" accent6="accent6" hlink="hlink" folHlink="folHlink"/>
+  </p:clrMapOvr>
+</p:sld>
+</file>
+
+<file path=ppt/slides/slide13.xml><?xml version="1.0" encoding="utf-8"?>
 <p:sld xmlns:a="http://schemas.openxmlformats.org/drawingml/2006/main" xmlns:r="http://schemas.openxmlformats.org/officeDocument/2006/relationships" xmlns:p="http://schemas.openxmlformats.org/presentationml/2006/main">
   <p:cSld>
     <p:bg>
@@ -6764,7 +7266,7 @@
 </p:sld>
 </file>
 
-<file path=ppt/slides/slide13.xml><?xml version="1.0" encoding="utf-8"?>
+<file path=ppt/slides/slide14.xml><?xml version="1.0" encoding="utf-8"?>
 <p:sld xmlns:a="http://schemas.openxmlformats.org/drawingml/2006/main" xmlns:r="http://schemas.openxmlformats.org/officeDocument/2006/relationships" xmlns:p="http://schemas.openxmlformats.org/presentationml/2006/main">
   <p:cSld>
     <p:bg>
@@ -7102,7 +7604,7 @@
 </p:sld>
 </file>
 
-<file path=ppt/slides/slide14.xml><?xml version="1.0" encoding="utf-8"?>
+<file path=ppt/slides/slide15.xml><?xml version="1.0" encoding="utf-8"?>
 <p:sld xmlns:a="http://schemas.openxmlformats.org/drawingml/2006/main" xmlns:r="http://schemas.openxmlformats.org/officeDocument/2006/relationships" xmlns:p="http://schemas.openxmlformats.org/presentationml/2006/main">
   <p:cSld>
     <p:bg>
@@ -7537,7 +8039,7 @@
 </p:sld>
 </file>
 
-<file path=ppt/slides/slide15.xml><?xml version="1.0" encoding="utf-8"?>
+<file path=ppt/slides/slide16.xml><?xml version="1.0" encoding="utf-8"?>
 <p:sld xmlns:a="http://schemas.openxmlformats.org/drawingml/2006/main" xmlns:r="http://schemas.openxmlformats.org/officeDocument/2006/relationships" xmlns:p="http://schemas.openxmlformats.org/presentationml/2006/main">
   <p:cSld>
     <p:bg>
@@ -7891,7 +8393,7 @@
 </p:sld>
 </file>
 
-<file path=ppt/slides/slide16.xml><?xml version="1.0" encoding="utf-8"?>
+<file path=ppt/slides/slide17.xml><?xml version="1.0" encoding="utf-8"?>
 <p:sld xmlns:a="http://schemas.openxmlformats.org/drawingml/2006/main" xmlns:r="http://schemas.openxmlformats.org/officeDocument/2006/relationships" xmlns:p="http://schemas.openxmlformats.org/presentationml/2006/main">
   <p:cSld>
     <p:bg>
@@ -8368,7 +8870,7 @@
 </p:sld>
 </file>
 
-<file path=ppt/slides/slide17.xml><?xml version="1.0" encoding="utf-8"?>
+<file path=ppt/slides/slide18.xml><?xml version="1.0" encoding="utf-8"?>
 <p:sld xmlns:a="http://schemas.openxmlformats.org/drawingml/2006/main" xmlns:r="http://schemas.openxmlformats.org/officeDocument/2006/relationships" xmlns:p="http://schemas.openxmlformats.org/presentationml/2006/main">
   <p:cSld>
     <p:bg>
@@ -8721,7 +9223,7 @@
 </p:sld>
 </file>
 
-<file path=ppt/slides/slide18.xml><?xml version="1.0" encoding="utf-8"?>
+<file path=ppt/slides/slide19.xml><?xml version="1.0" encoding="utf-8"?>
 <p:sld xmlns:a="http://schemas.openxmlformats.org/drawingml/2006/main" xmlns:r="http://schemas.openxmlformats.org/officeDocument/2006/relationships" xmlns:p="http://schemas.openxmlformats.org/presentationml/2006/main">
   <p:cSld>
     <p:bg>
@@ -9071,7 +9573,101 @@
 </p:sld>
 </file>
 
-<file path=ppt/slides/slide19.xml><?xml version="1.0" encoding="utf-8"?>
+<file path=ppt/slides/slide2.xml><?xml version="1.0" encoding="utf-8"?>
+<p:sld xmlns:a="http://schemas.openxmlformats.org/drawingml/2006/main" xmlns:r="http://schemas.openxmlformats.org/officeDocument/2006/relationships" xmlns:p="http://schemas.openxmlformats.org/presentationml/2006/main" show="0">
+  <p:cSld>
+    <p:spTree>
+      <p:nvGrpSpPr>
+        <p:cNvPr id="1" name=""/>
+        <p:cNvGrpSpPr/>
+        <p:nvPr/>
+      </p:nvGrpSpPr>
+      <p:grpSpPr>
+        <a:xfrm>
+          <a:off x="0" y="0"/>
+          <a:ext cx="0" cy="0"/>
+          <a:chOff x="0" y="0"/>
+          <a:chExt cx="0" cy="0"/>
+        </a:xfrm>
+      </p:grpSpPr>
+      <p:sp>
+        <p:nvSpPr>
+          <p:cNvPr id="2" name="Title 1"/>
+          <p:cNvSpPr>
+            <a:spLocks noGrp="1"/>
+          </p:cNvSpPr>
+          <p:nvPr>
+            <p:ph type="title"/>
+          </p:nvPr>
+        </p:nvSpPr>
+        <p:spPr/>
+        <p:txBody>
+          <a:bodyPr/>
+          <a:lstStyle/>
+          <a:p>
+            <a:r>
+              <a:rPr lang="en-US" dirty="0"/>
+              <a:t>Sharing</a:t>
+            </a:r>
+          </a:p>
+        </p:txBody>
+      </p:sp>
+      <p:sp>
+        <p:nvSpPr>
+          <p:cNvPr id="3" name="Content Placeholder 2"/>
+          <p:cNvSpPr>
+            <a:spLocks noGrp="1"/>
+          </p:cNvSpPr>
+          <p:nvPr>
+            <p:ph sz="quarter" idx="13"/>
+          </p:nvPr>
+        </p:nvSpPr>
+        <p:spPr/>
+        <p:txBody>
+          <a:bodyPr/>
+          <a:lstStyle/>
+          <a:p>
+            <a:r>
+              <a:rPr lang="en-US" dirty="0"/>
+              <a:t>You are responsible for sharing your deck, your code, or anything else you like.</a:t>
+            </a:r>
+          </a:p>
+          <a:p>
+            <a:r>
+              <a:rPr lang="en-US" dirty="0"/>
+              <a:t>You can use </a:t>
+            </a:r>
+            <a:r>
+              <a:rPr lang="en-US" dirty="0" err="1"/>
+              <a:t>Sched.com</a:t>
+            </a:r>
+            <a:r>
+              <a:rPr lang="en-US" dirty="0"/>
+              <a:t>, or you can use another location. It’s entirely up to you.</a:t>
+            </a:r>
+          </a:p>
+          <a:p>
+            <a:r>
+              <a:rPr lang="en-US" dirty="0"/>
+              <a:t>We suggest including a shortened URL at the end of the presentation.</a:t>
+            </a:r>
+          </a:p>
+        </p:txBody>
+      </p:sp>
+    </p:spTree>
+    <p:extLst>
+      <p:ext uri="{BB962C8B-B14F-4D97-AF65-F5344CB8AC3E}">
+        <p14:creationId xmlns:p14="http://schemas.microsoft.com/office/powerpoint/2010/main" val="1494474433"/>
+      </p:ext>
+    </p:extLst>
+  </p:cSld>
+  <p:clrMapOvr>
+    <a:masterClrMapping/>
+  </p:clrMapOvr>
+</p:sld>
+</file>
+
+<file path=ppt/slides/slide20.xml><?xml version="1.0" encoding="utf-8"?>
 <p:sld xmlns:a="http://schemas.openxmlformats.org/drawingml/2006/main" xmlns:r="http://schemas.openxmlformats.org/officeDocument/2006/relationships" xmlns:p="http://schemas.openxmlformats.org/presentationml/2006/main">
   <p:cSld>
     <p:bg>
@@ -9405,101 +10001,7 @@
 </p:sld>
 </file>
 
-<file path=ppt/slides/slide2.xml><?xml version="1.0" encoding="utf-8"?>
-<p:sld xmlns:a="http://schemas.openxmlformats.org/drawingml/2006/main" xmlns:r="http://schemas.openxmlformats.org/officeDocument/2006/relationships" xmlns:p="http://schemas.openxmlformats.org/presentationml/2006/main" show="0">
-  <p:cSld>
-    <p:spTree>
-      <p:nvGrpSpPr>
-        <p:cNvPr id="1" name=""/>
-        <p:cNvGrpSpPr/>
-        <p:nvPr/>
-      </p:nvGrpSpPr>
-      <p:grpSpPr>
-        <a:xfrm>
-          <a:off x="0" y="0"/>
-          <a:ext cx="0" cy="0"/>
-          <a:chOff x="0" y="0"/>
-          <a:chExt cx="0" cy="0"/>
-        </a:xfrm>
-      </p:grpSpPr>
-      <p:sp>
-        <p:nvSpPr>
-          <p:cNvPr id="2" name="Title 1"/>
-          <p:cNvSpPr>
-            <a:spLocks noGrp="1"/>
-          </p:cNvSpPr>
-          <p:nvPr>
-            <p:ph type="title"/>
-          </p:nvPr>
-        </p:nvSpPr>
-        <p:spPr/>
-        <p:txBody>
-          <a:bodyPr/>
-          <a:lstStyle/>
-          <a:p>
-            <a:r>
-              <a:rPr lang="en-US" dirty="0"/>
-              <a:t>Sharing</a:t>
-            </a:r>
-          </a:p>
-        </p:txBody>
-      </p:sp>
-      <p:sp>
-        <p:nvSpPr>
-          <p:cNvPr id="3" name="Content Placeholder 2"/>
-          <p:cNvSpPr>
-            <a:spLocks noGrp="1"/>
-          </p:cNvSpPr>
-          <p:nvPr>
-            <p:ph sz="quarter" idx="13"/>
-          </p:nvPr>
-        </p:nvSpPr>
-        <p:spPr/>
-        <p:txBody>
-          <a:bodyPr/>
-          <a:lstStyle/>
-          <a:p>
-            <a:r>
-              <a:rPr lang="en-US" dirty="0"/>
-              <a:t>You are responsible for sharing your deck, your code, or anything else you like.</a:t>
-            </a:r>
-          </a:p>
-          <a:p>
-            <a:r>
-              <a:rPr lang="en-US" dirty="0"/>
-              <a:t>You can use </a:t>
-            </a:r>
-            <a:r>
-              <a:rPr lang="en-US" dirty="0" err="1"/>
-              <a:t>Sched.com</a:t>
-            </a:r>
-            <a:r>
-              <a:rPr lang="en-US" dirty="0"/>
-              <a:t>, or you can use another location. It’s entirely up to you.</a:t>
-            </a:r>
-          </a:p>
-          <a:p>
-            <a:r>
-              <a:rPr lang="en-US" dirty="0"/>
-              <a:t>We suggest including a shortened URL at the end of the presentation.</a:t>
-            </a:r>
-          </a:p>
-        </p:txBody>
-      </p:sp>
-    </p:spTree>
-    <p:extLst>
-      <p:ext uri="{BB962C8B-B14F-4D97-AF65-F5344CB8AC3E}">
-        <p14:creationId xmlns:p14="http://schemas.microsoft.com/office/powerpoint/2010/main" val="1494474433"/>
-      </p:ext>
-    </p:extLst>
-  </p:cSld>
-  <p:clrMapOvr>
-    <a:masterClrMapping/>
-  </p:clrMapOvr>
-</p:sld>
-</file>
-
-<file path=ppt/slides/slide20.xml><?xml version="1.0" encoding="utf-8"?>
+<file path=ppt/slides/slide21.xml><?xml version="1.0" encoding="utf-8"?>
 <p:sld xmlns:a="http://schemas.openxmlformats.org/drawingml/2006/main" xmlns:r="http://schemas.openxmlformats.org/officeDocument/2006/relationships" xmlns:p="http://schemas.openxmlformats.org/presentationml/2006/main">
   <p:cSld>
     <p:bg>
@@ -9934,7 +10436,7 @@
 </p:sld>
 </file>
 
-<file path=ppt/slides/slide21.xml><?xml version="1.0" encoding="utf-8"?>
+<file path=ppt/slides/slide22.xml><?xml version="1.0" encoding="utf-8"?>
 <p:sld xmlns:a="http://schemas.openxmlformats.org/drawingml/2006/main" xmlns:r="http://schemas.openxmlformats.org/officeDocument/2006/relationships" xmlns:p="http://schemas.openxmlformats.org/presentationml/2006/main">
   <p:cSld>
     <p:bg>
@@ -10281,7 +10783,7 @@
 </p:sld>
 </file>
 
-<file path=ppt/slides/slide22.xml><?xml version="1.0" encoding="utf-8"?>
+<file path=ppt/slides/slide23.xml><?xml version="1.0" encoding="utf-8"?>
 <p:sld xmlns:a="http://schemas.openxmlformats.org/drawingml/2006/main" xmlns:r="http://schemas.openxmlformats.org/officeDocument/2006/relationships" xmlns:p="http://schemas.openxmlformats.org/presentationml/2006/main">
   <p:cSld>
     <p:bg>
@@ -10716,7 +11218,7 @@
 </p:sld>
 </file>
 
-<file path=ppt/slides/slide23.xml><?xml version="1.0" encoding="utf-8"?>
+<file path=ppt/slides/slide24.xml><?xml version="1.0" encoding="utf-8"?>
 <p:sld xmlns:a="http://schemas.openxmlformats.org/drawingml/2006/main" xmlns:r="http://schemas.openxmlformats.org/officeDocument/2006/relationships" xmlns:p="http://schemas.openxmlformats.org/presentationml/2006/main">
   <p:cSld>
     <p:bg>
@@ -11077,7 +11579,7 @@
 </p:sld>
 </file>
 
-<file path=ppt/slides/slide24.xml><?xml version="1.0" encoding="utf-8"?>
+<file path=ppt/slides/slide25.xml><?xml version="1.0" encoding="utf-8"?>
 <p:sld xmlns:a="http://schemas.openxmlformats.org/drawingml/2006/main" xmlns:r="http://schemas.openxmlformats.org/officeDocument/2006/relationships" xmlns:p="http://schemas.openxmlformats.org/presentationml/2006/main">
   <p:cSld>
     <p:bg>
@@ -11533,7 +12035,7 @@
 </p:sld>
 </file>
 
-<file path=ppt/slides/slide25.xml><?xml version="1.0" encoding="utf-8"?>
+<file path=ppt/slides/slide26.xml><?xml version="1.0" encoding="utf-8"?>
 <p:sld xmlns:a="http://schemas.openxmlformats.org/drawingml/2006/main" xmlns:r="http://schemas.openxmlformats.org/officeDocument/2006/relationships" xmlns:p="http://schemas.openxmlformats.org/presentationml/2006/main">
   <p:cSld>
     <p:bg>
@@ -11885,7 +12387,7 @@
 </p:sld>
 </file>
 
-<file path=ppt/slides/slide26.xml><?xml version="1.0" encoding="utf-8"?>
+<file path=ppt/slides/slide27.xml><?xml version="1.0" encoding="utf-8"?>
 <p:sld xmlns:a="http://schemas.openxmlformats.org/drawingml/2006/main" xmlns:r="http://schemas.openxmlformats.org/officeDocument/2006/relationships" xmlns:p="http://schemas.openxmlformats.org/presentationml/2006/main">
   <p:cSld>
     <p:bg>
@@ -12320,7 +12822,7 @@
 </p:sld>
 </file>
 
-<file path=ppt/slides/slide27.xml><?xml version="1.0" encoding="utf-8"?>
+<file path=ppt/slides/slide28.xml><?xml version="1.0" encoding="utf-8"?>
 <p:sld xmlns:a="http://schemas.openxmlformats.org/drawingml/2006/main" xmlns:r="http://schemas.openxmlformats.org/officeDocument/2006/relationships" xmlns:p="http://schemas.openxmlformats.org/presentationml/2006/main">
   <p:cSld>
     <p:bg>
@@ -12687,7 +13189,7 @@
 </p:sld>
 </file>
 
-<file path=ppt/slides/slide28.xml><?xml version="1.0" encoding="utf-8"?>
+<file path=ppt/slides/slide29.xml><?xml version="1.0" encoding="utf-8"?>
 <p:sld xmlns:a="http://schemas.openxmlformats.org/drawingml/2006/main" xmlns:r="http://schemas.openxmlformats.org/officeDocument/2006/relationships" xmlns:p="http://schemas.openxmlformats.org/presentationml/2006/main">
   <p:cSld>
     <p:bg>
@@ -13104,7 +13606,93 @@
 </p:sld>
 </file>
 
-<file path=ppt/slides/slide29.xml><?xml version="1.0" encoding="utf-8"?>
+<file path=ppt/slides/slide3.xml><?xml version="1.0" encoding="utf-8"?>
+<p:sld xmlns:a="http://schemas.openxmlformats.org/drawingml/2006/main" xmlns:r="http://schemas.openxmlformats.org/officeDocument/2006/relationships" xmlns:p="http://schemas.openxmlformats.org/presentationml/2006/main" show="0">
+  <p:cSld>
+    <p:spTree>
+      <p:nvGrpSpPr>
+        <p:cNvPr id="1" name=""/>
+        <p:cNvGrpSpPr/>
+        <p:nvPr/>
+      </p:nvGrpSpPr>
+      <p:grpSpPr>
+        <a:xfrm>
+          <a:off x="0" y="0"/>
+          <a:ext cx="0" cy="0"/>
+          <a:chOff x="0" y="0"/>
+          <a:chExt cx="0" cy="0"/>
+        </a:xfrm>
+      </p:grpSpPr>
+      <p:sp>
+        <p:nvSpPr>
+          <p:cNvPr id="2" name="Title 1"/>
+          <p:cNvSpPr>
+            <a:spLocks noGrp="1"/>
+          </p:cNvSpPr>
+          <p:nvPr>
+            <p:ph type="title"/>
+          </p:nvPr>
+        </p:nvSpPr>
+        <p:spPr/>
+        <p:txBody>
+          <a:bodyPr/>
+          <a:lstStyle/>
+          <a:p>
+            <a:r>
+              <a:rPr lang="en-US" dirty="0"/>
+              <a:t>Demos</a:t>
+            </a:r>
+          </a:p>
+        </p:txBody>
+      </p:sp>
+      <p:sp>
+        <p:nvSpPr>
+          <p:cNvPr id="3" name="Content Placeholder 2"/>
+          <p:cNvSpPr>
+            <a:spLocks noGrp="1"/>
+          </p:cNvSpPr>
+          <p:nvPr>
+            <p:ph sz="quarter" idx="13"/>
+          </p:nvPr>
+        </p:nvSpPr>
+        <p:spPr/>
+        <p:txBody>
+          <a:bodyPr/>
+          <a:lstStyle/>
+          <a:p>
+            <a:r>
+              <a:rPr lang="en-US" dirty="0"/>
+              <a:t>Please modify console, ISE, or VS Code colors to use a high-contrast color scheme.</a:t>
+            </a:r>
+          </a:p>
+          <a:p>
+            <a:r>
+              <a:rPr lang="en-US" dirty="0"/>
+              <a:t>“Light” themes often work better, especially when combined with bold fonts and dark text colors.</a:t>
+            </a:r>
+          </a:p>
+          <a:p>
+            <a:r>
+              <a:rPr lang="en-US" dirty="0"/>
+              <a:t>Jack up the font size so your code is legible at the back of the room.</a:t>
+            </a:r>
+          </a:p>
+        </p:txBody>
+      </p:sp>
+    </p:spTree>
+    <p:extLst>
+      <p:ext uri="{BB962C8B-B14F-4D97-AF65-F5344CB8AC3E}">
+        <p14:creationId xmlns:p14="http://schemas.microsoft.com/office/powerpoint/2010/main" val="811870181"/>
+      </p:ext>
+    </p:extLst>
+  </p:cSld>
+  <p:clrMapOvr>
+    <a:masterClrMapping/>
+  </p:clrMapOvr>
+</p:sld>
+</file>
+
+<file path=ppt/slides/slide30.xml><?xml version="1.0" encoding="utf-8"?>
 <p:sld xmlns:a="http://schemas.openxmlformats.org/drawingml/2006/main" xmlns:r="http://schemas.openxmlformats.org/officeDocument/2006/relationships" xmlns:p="http://schemas.openxmlformats.org/presentationml/2006/main">
   <p:cSld>
     <p:bg>
@@ -13473,93 +14061,7 @@
 </p:sld>
 </file>
 
-<file path=ppt/slides/slide3.xml><?xml version="1.0" encoding="utf-8"?>
-<p:sld xmlns:a="http://schemas.openxmlformats.org/drawingml/2006/main" xmlns:r="http://schemas.openxmlformats.org/officeDocument/2006/relationships" xmlns:p="http://schemas.openxmlformats.org/presentationml/2006/main" show="0">
-  <p:cSld>
-    <p:spTree>
-      <p:nvGrpSpPr>
-        <p:cNvPr id="1" name=""/>
-        <p:cNvGrpSpPr/>
-        <p:nvPr/>
-      </p:nvGrpSpPr>
-      <p:grpSpPr>
-        <a:xfrm>
-          <a:off x="0" y="0"/>
-          <a:ext cx="0" cy="0"/>
-          <a:chOff x="0" y="0"/>
-          <a:chExt cx="0" cy="0"/>
-        </a:xfrm>
-      </p:grpSpPr>
-      <p:sp>
-        <p:nvSpPr>
-          <p:cNvPr id="2" name="Title 1"/>
-          <p:cNvSpPr>
-            <a:spLocks noGrp="1"/>
-          </p:cNvSpPr>
-          <p:nvPr>
-            <p:ph type="title"/>
-          </p:nvPr>
-        </p:nvSpPr>
-        <p:spPr/>
-        <p:txBody>
-          <a:bodyPr/>
-          <a:lstStyle/>
-          <a:p>
-            <a:r>
-              <a:rPr lang="en-US" dirty="0"/>
-              <a:t>Demos</a:t>
-            </a:r>
-          </a:p>
-        </p:txBody>
-      </p:sp>
-      <p:sp>
-        <p:nvSpPr>
-          <p:cNvPr id="3" name="Content Placeholder 2"/>
-          <p:cNvSpPr>
-            <a:spLocks noGrp="1"/>
-          </p:cNvSpPr>
-          <p:nvPr>
-            <p:ph sz="quarter" idx="13"/>
-          </p:nvPr>
-        </p:nvSpPr>
-        <p:spPr/>
-        <p:txBody>
-          <a:bodyPr/>
-          <a:lstStyle/>
-          <a:p>
-            <a:r>
-              <a:rPr lang="en-US" dirty="0"/>
-              <a:t>Please modify console, ISE, or VS Code colors to use a high-contrast color scheme.</a:t>
-            </a:r>
-          </a:p>
-          <a:p>
-            <a:r>
-              <a:rPr lang="en-US" dirty="0"/>
-              <a:t>“Light” themes often work better, especially when combined with bold fonts and dark text colors.</a:t>
-            </a:r>
-          </a:p>
-          <a:p>
-            <a:r>
-              <a:rPr lang="en-US" dirty="0"/>
-              <a:t>Jack up the font size so your code is legible at the back of the room.</a:t>
-            </a:r>
-          </a:p>
-        </p:txBody>
-      </p:sp>
-    </p:spTree>
-    <p:extLst>
-      <p:ext uri="{BB962C8B-B14F-4D97-AF65-F5344CB8AC3E}">
-        <p14:creationId xmlns:p14="http://schemas.microsoft.com/office/powerpoint/2010/main" val="811870181"/>
-      </p:ext>
-    </p:extLst>
-  </p:cSld>
-  <p:clrMapOvr>
-    <a:masterClrMapping/>
-  </p:clrMapOvr>
-</p:sld>
-</file>
-
-<file path=ppt/slides/slide30.xml><?xml version="1.0" encoding="utf-8"?>
+<file path=ppt/slides/slide31.xml><?xml version="1.0" encoding="utf-8"?>
 <p:sld xmlns:a="http://schemas.openxmlformats.org/drawingml/2006/main" xmlns:r="http://schemas.openxmlformats.org/officeDocument/2006/relationships" xmlns:p="http://schemas.openxmlformats.org/presentationml/2006/main">
   <p:cSld>
     <p:bg>
@@ -13909,7 +14411,7 @@
 </p:sld>
 </file>
 
-<file path=ppt/slides/slide31.xml><?xml version="1.0" encoding="utf-8"?>
+<file path=ppt/slides/slide32.xml><?xml version="1.0" encoding="utf-8"?>
 <p:sld xmlns:a="http://schemas.openxmlformats.org/drawingml/2006/main" xmlns:r="http://schemas.openxmlformats.org/officeDocument/2006/relationships" xmlns:p="http://schemas.openxmlformats.org/presentationml/2006/main">
   <p:cSld>
     <p:spTree>
@@ -14042,7 +14544,7 @@
 </p:sld>
 </file>
 
-<file path=ppt/slides/slide32.xml><?xml version="1.0" encoding="utf-8"?>
+<file path=ppt/slides/slide33.xml><?xml version="1.0" encoding="utf-8"?>
 <p:sld xmlns:a="http://schemas.openxmlformats.org/drawingml/2006/main" xmlns:r="http://schemas.openxmlformats.org/officeDocument/2006/relationships" xmlns:p="http://schemas.openxmlformats.org/presentationml/2006/main">
   <p:cSld>
     <p:bg>
@@ -14424,7 +14926,7 @@
 </p:sld>
 </file>
 
-<file path=ppt/slides/slide33.xml><?xml version="1.0" encoding="utf-8"?>
+<file path=ppt/slides/slide34.xml><?xml version="1.0" encoding="utf-8"?>
 <p:sld xmlns:a="http://schemas.openxmlformats.org/drawingml/2006/main" xmlns:r="http://schemas.openxmlformats.org/officeDocument/2006/relationships" xmlns:p="http://schemas.openxmlformats.org/presentationml/2006/main">
   <p:cSld>
     <p:bg>
@@ -14803,7 +15305,7 @@
 </p:sld>
 </file>
 
-<file path=ppt/slides/slide34.xml><?xml version="1.0" encoding="utf-8"?>
+<file path=ppt/slides/slide35.xml><?xml version="1.0" encoding="utf-8"?>
 <p:sld xmlns:a="http://schemas.openxmlformats.org/drawingml/2006/main" xmlns:r="http://schemas.openxmlformats.org/officeDocument/2006/relationships" xmlns:p="http://schemas.openxmlformats.org/presentationml/2006/main">
   <p:cSld>
     <p:spTree>
@@ -14952,7 +15454,7 @@
 </p:sld>
 </file>
 
-<file path=ppt/slides/slide35.xml><?xml version="1.0" encoding="utf-8"?>
+<file path=ppt/slides/slide36.xml><?xml version="1.0" encoding="utf-8"?>
 <p:sld xmlns:a="http://schemas.openxmlformats.org/drawingml/2006/main" xmlns:r="http://schemas.openxmlformats.org/officeDocument/2006/relationships" xmlns:p="http://schemas.openxmlformats.org/presentationml/2006/main">
   <p:cSld>
     <p:bg>
@@ -15315,7 +15817,7 @@
 </p:sld>
 </file>
 
-<file path=ppt/slides/slide36.xml><?xml version="1.0" encoding="utf-8"?>
+<file path=ppt/slides/slide37.xml><?xml version="1.0" encoding="utf-8"?>
 <p:sld xmlns:a="http://schemas.openxmlformats.org/drawingml/2006/main" xmlns:r="http://schemas.openxmlformats.org/officeDocument/2006/relationships" xmlns:p="http://schemas.openxmlformats.org/presentationml/2006/main">
   <p:cSld>
     <p:bg>
@@ -15733,7 +16235,7 @@
 </p:sld>
 </file>
 
-<file path=ppt/slides/slide37.xml><?xml version="1.0" encoding="utf-8"?>
+<file path=ppt/slides/slide38.xml><?xml version="1.0" encoding="utf-8"?>
 <p:sld xmlns:a="http://schemas.openxmlformats.org/drawingml/2006/main" xmlns:r="http://schemas.openxmlformats.org/officeDocument/2006/relationships" xmlns:p="http://schemas.openxmlformats.org/presentationml/2006/main">
   <p:cSld>
     <p:spTree>
@@ -15866,7 +16368,7 @@
 </p:sld>
 </file>
 
-<file path=ppt/slides/slide38.xml><?xml version="1.0" encoding="utf-8"?>
+<file path=ppt/slides/slide39.xml><?xml version="1.0" encoding="utf-8"?>
 <p:sld xmlns:a="http://schemas.openxmlformats.org/drawingml/2006/main" xmlns:r="http://schemas.openxmlformats.org/officeDocument/2006/relationships" xmlns:p="http://schemas.openxmlformats.org/presentationml/2006/main">
   <p:cSld>
     <p:bg>
@@ -16280,7 +16782,101 @@
 </p:sld>
 </file>
 
-<file path=ppt/slides/slide39.xml><?xml version="1.0" encoding="utf-8"?>
+<file path=ppt/slides/slide4.xml><?xml version="1.0" encoding="utf-8"?>
+<p:sld xmlns:a="http://schemas.openxmlformats.org/drawingml/2006/main" xmlns:r="http://schemas.openxmlformats.org/officeDocument/2006/relationships" xmlns:p="http://schemas.openxmlformats.org/presentationml/2006/main" show="0">
+  <p:cSld>
+    <p:spTree>
+      <p:nvGrpSpPr>
+        <p:cNvPr id="1" name=""/>
+        <p:cNvGrpSpPr/>
+        <p:nvPr/>
+      </p:nvGrpSpPr>
+      <p:grpSpPr>
+        <a:xfrm>
+          <a:off x="0" y="0"/>
+          <a:ext cx="0" cy="0"/>
+          <a:chOff x="0" y="0"/>
+          <a:chExt cx="0" cy="0"/>
+        </a:xfrm>
+      </p:grpSpPr>
+      <p:sp>
+        <p:nvSpPr>
+          <p:cNvPr id="2" name="Title 1"/>
+          <p:cNvSpPr>
+            <a:spLocks noGrp="1"/>
+          </p:cNvSpPr>
+          <p:nvPr>
+            <p:ph type="title"/>
+          </p:nvPr>
+        </p:nvSpPr>
+        <p:spPr/>
+        <p:txBody>
+          <a:bodyPr/>
+          <a:lstStyle/>
+          <a:p>
+            <a:r>
+              <a:rPr lang="en-US" dirty="0"/>
+              <a:t>Demos</a:t>
+            </a:r>
+          </a:p>
+        </p:txBody>
+      </p:sp>
+      <p:sp>
+        <p:nvSpPr>
+          <p:cNvPr id="3" name="Content Placeholder 2"/>
+          <p:cNvSpPr>
+            <a:spLocks noGrp="1"/>
+          </p:cNvSpPr>
+          <p:nvPr>
+            <p:ph sz="quarter" idx="13"/>
+          </p:nvPr>
+        </p:nvSpPr>
+        <p:spPr/>
+        <p:txBody>
+          <a:bodyPr/>
+          <a:lstStyle/>
+          <a:p>
+            <a:r>
+              <a:rPr lang="en-US" dirty="0"/>
+              <a:t>We strongly recommend the use of VS Code </a:t>
+            </a:r>
+            <a:r>
+              <a:rPr lang="mr-IN" dirty="0"/>
+              <a:t>–</a:t>
+            </a:r>
+            <a:r>
+              <a:rPr lang="en-US" dirty="0"/>
+              <a:t> all attendees can get it, and we’d like them to get used to it</a:t>
+            </a:r>
+          </a:p>
+          <a:p>
+            <a:r>
+              <a:rPr lang="en-US" dirty="0"/>
+              <a:t>We recommend the Light+ theme</a:t>
+            </a:r>
+          </a:p>
+          <a:p>
+            <a:r>
+              <a:rPr lang="en-US" dirty="0"/>
+              <a:t>Use the Zoom feature to raise the font size consistently throughout the UI</a:t>
+            </a:r>
+          </a:p>
+        </p:txBody>
+      </p:sp>
+    </p:spTree>
+    <p:extLst>
+      <p:ext uri="{BB962C8B-B14F-4D97-AF65-F5344CB8AC3E}">
+        <p14:creationId xmlns:p14="http://schemas.microsoft.com/office/powerpoint/2010/main" val="2087206324"/>
+      </p:ext>
+    </p:extLst>
+  </p:cSld>
+  <p:clrMapOvr>
+    <a:masterClrMapping/>
+  </p:clrMapOvr>
+</p:sld>
+</file>
+
+<file path=ppt/slides/slide40.xml><?xml version="1.0" encoding="utf-8"?>
 <p:sld xmlns:a="http://schemas.openxmlformats.org/drawingml/2006/main" xmlns:r="http://schemas.openxmlformats.org/officeDocument/2006/relationships" xmlns:p="http://schemas.openxmlformats.org/presentationml/2006/main">
   <p:cSld>
     <p:bg>
@@ -16632,101 +17228,7 @@
 </p:sld>
 </file>
 
-<file path=ppt/slides/slide4.xml><?xml version="1.0" encoding="utf-8"?>
-<p:sld xmlns:a="http://schemas.openxmlformats.org/drawingml/2006/main" xmlns:r="http://schemas.openxmlformats.org/officeDocument/2006/relationships" xmlns:p="http://schemas.openxmlformats.org/presentationml/2006/main" show="0">
-  <p:cSld>
-    <p:spTree>
-      <p:nvGrpSpPr>
-        <p:cNvPr id="1" name=""/>
-        <p:cNvGrpSpPr/>
-        <p:nvPr/>
-      </p:nvGrpSpPr>
-      <p:grpSpPr>
-        <a:xfrm>
-          <a:off x="0" y="0"/>
-          <a:ext cx="0" cy="0"/>
-          <a:chOff x="0" y="0"/>
-          <a:chExt cx="0" cy="0"/>
-        </a:xfrm>
-      </p:grpSpPr>
-      <p:sp>
-        <p:nvSpPr>
-          <p:cNvPr id="2" name="Title 1"/>
-          <p:cNvSpPr>
-            <a:spLocks noGrp="1"/>
-          </p:cNvSpPr>
-          <p:nvPr>
-            <p:ph type="title"/>
-          </p:nvPr>
-        </p:nvSpPr>
-        <p:spPr/>
-        <p:txBody>
-          <a:bodyPr/>
-          <a:lstStyle/>
-          <a:p>
-            <a:r>
-              <a:rPr lang="en-US" dirty="0"/>
-              <a:t>Demos</a:t>
-            </a:r>
-          </a:p>
-        </p:txBody>
-      </p:sp>
-      <p:sp>
-        <p:nvSpPr>
-          <p:cNvPr id="3" name="Content Placeholder 2"/>
-          <p:cNvSpPr>
-            <a:spLocks noGrp="1"/>
-          </p:cNvSpPr>
-          <p:nvPr>
-            <p:ph sz="quarter" idx="13"/>
-          </p:nvPr>
-        </p:nvSpPr>
-        <p:spPr/>
-        <p:txBody>
-          <a:bodyPr/>
-          <a:lstStyle/>
-          <a:p>
-            <a:r>
-              <a:rPr lang="en-US" dirty="0"/>
-              <a:t>We strongly recommend the use of VS Code </a:t>
-            </a:r>
-            <a:r>
-              <a:rPr lang="mr-IN" dirty="0"/>
-              <a:t>–</a:t>
-            </a:r>
-            <a:r>
-              <a:rPr lang="en-US" dirty="0"/>
-              <a:t> all attendees can get it, and we’d like them to get used to it</a:t>
-            </a:r>
-          </a:p>
-          <a:p>
-            <a:r>
-              <a:rPr lang="en-US" dirty="0"/>
-              <a:t>We recommend the Light+ theme</a:t>
-            </a:r>
-          </a:p>
-          <a:p>
-            <a:r>
-              <a:rPr lang="en-US" dirty="0"/>
-              <a:t>Use the Zoom feature to raise the font size consistently throughout the UI</a:t>
-            </a:r>
-          </a:p>
-        </p:txBody>
-      </p:sp>
-    </p:spTree>
-    <p:extLst>
-      <p:ext uri="{BB962C8B-B14F-4D97-AF65-F5344CB8AC3E}">
-        <p14:creationId xmlns:p14="http://schemas.microsoft.com/office/powerpoint/2010/main" val="2087206324"/>
-      </p:ext>
-    </p:extLst>
-  </p:cSld>
-  <p:clrMapOvr>
-    <a:masterClrMapping/>
-  </p:clrMapOvr>
-</p:sld>
-</file>
-
-<file path=ppt/slides/slide40.xml><?xml version="1.0" encoding="utf-8"?>
+<file path=ppt/slides/slide41.xml><?xml version="1.0" encoding="utf-8"?>
 <p:sld xmlns:a="http://schemas.openxmlformats.org/drawingml/2006/main" xmlns:r="http://schemas.openxmlformats.org/officeDocument/2006/relationships" xmlns:p="http://schemas.openxmlformats.org/presentationml/2006/main">
   <p:cSld>
     <p:bg>
@@ -17075,7 +17577,7 @@
 </p:sld>
 </file>
 
-<file path=ppt/slides/slide41.xml><?xml version="1.0" encoding="utf-8"?>
+<file path=ppt/slides/slide42.xml><?xml version="1.0" encoding="utf-8"?>
 <p:sld xmlns:a="http://schemas.openxmlformats.org/drawingml/2006/main" xmlns:r="http://schemas.openxmlformats.org/officeDocument/2006/relationships" xmlns:p="http://schemas.openxmlformats.org/presentationml/2006/main">
   <p:cSld>
     <p:bg>
@@ -17510,7 +18012,380 @@
 </p:sld>
 </file>
 
-<file path=ppt/slides/slide42.xml><?xml version="1.0" encoding="utf-8"?>
+<file path=ppt/slides/slide43.xml><?xml version="1.0" encoding="utf-8"?>
+<p:sld xmlns:a="http://schemas.openxmlformats.org/drawingml/2006/main" xmlns:r="http://schemas.openxmlformats.org/officeDocument/2006/relationships" xmlns:p="http://schemas.openxmlformats.org/presentationml/2006/main">
+  <p:cSld>
+    <p:bg>
+      <p:bgPr>
+        <a:solidFill>
+          <a:schemeClr val="bg1">
+            <a:tint val="95000"/>
+            <a:satMod val="170000"/>
+          </a:schemeClr>
+        </a:solidFill>
+        <a:effectLst/>
+      </p:bgPr>
+    </p:bg>
+    <p:spTree>
+      <p:nvGrpSpPr>
+        <p:cNvPr id="1" name=""/>
+        <p:cNvGrpSpPr/>
+        <p:nvPr/>
+      </p:nvGrpSpPr>
+      <p:grpSpPr>
+        <a:xfrm>
+          <a:off x="0" y="0"/>
+          <a:ext cx="0" cy="0"/>
+          <a:chOff x="0" y="0"/>
+          <a:chExt cx="0" cy="0"/>
+        </a:xfrm>
+      </p:grpSpPr>
+      <p:sp>
+        <p:nvSpPr>
+          <p:cNvPr id="8" name="Freeform: Shape 7">
+            <a:extLst>
+              <a:ext uri="{FF2B5EF4-FFF2-40B4-BE49-F238E27FC236}">
+                <a16:creationId xmlns:a16="http://schemas.microsoft.com/office/drawing/2014/main" id="{48A740BC-A0AA-45E0-B899-2AE9C6FE11CA}"/>
+              </a:ext>
+              <a:ext uri="{C183D7F6-B498-43B3-948B-1728B52AA6E4}">
+                <adec:decorative xmlns:adec="http://schemas.microsoft.com/office/drawing/2017/decorative" val="1"/>
+              </a:ext>
+            </a:extLst>
+          </p:cNvPr>
+          <p:cNvSpPr>
+            <a:spLocks noGrp="1" noRot="1" noChangeAspect="1" noMove="1" noResize="1" noEditPoints="1" noAdjustHandles="1" noChangeArrowheads="1" noChangeShapeType="1" noTextEdit="1"/>
+          </p:cNvSpPr>
+          <p:nvPr>
+            <p:extLst>
+              <p:ext uri="{386F3935-93C4-4BCD-93E2-E3B085C9AB24}">
+                <p16:designElem xmlns:p16="http://schemas.microsoft.com/office/powerpoint/2015/main" val="1"/>
+              </p:ext>
+            </p:extLst>
+          </p:nvPr>
+        </p:nvSpPr>
+        <p:spPr>
+          <a:xfrm>
+            <a:off x="5913121" y="-2"/>
+            <a:ext cx="6278879" cy="6858002"/>
+          </a:xfrm>
+          <a:custGeom>
+            <a:avLst/>
+            <a:gdLst>
+              <a:gd name="connsiteX0" fmla="*/ 45572 w 6278879"/>
+              <a:gd name="connsiteY0" fmla="*/ 0 h 6858002"/>
+              <a:gd name="connsiteX1" fmla="*/ 6278879 w 6278879"/>
+              <a:gd name="connsiteY1" fmla="*/ 0 h 6858002"/>
+              <a:gd name="connsiteX2" fmla="*/ 6278879 w 6278879"/>
+              <a:gd name="connsiteY2" fmla="*/ 6858002 h 6858002"/>
+              <a:gd name="connsiteX3" fmla="*/ 3292308 w 6278879"/>
+              <a:gd name="connsiteY3" fmla="*/ 6858002 h 6858002"/>
+              <a:gd name="connsiteX4" fmla="*/ 3181526 w 6278879"/>
+              <a:gd name="connsiteY4" fmla="*/ 6786982 h 6858002"/>
+              <a:gd name="connsiteX5" fmla="*/ 0 w 6278879"/>
+              <a:gd name="connsiteY5" fmla="*/ 803254 h 6858002"/>
+              <a:gd name="connsiteX6" fmla="*/ 37255 w 6278879"/>
+              <a:gd name="connsiteY6" fmla="*/ 65447 h 6858002"/>
+            </a:gdLst>
+            <a:ahLst/>
+            <a:cxnLst>
+              <a:cxn ang="0">
+                <a:pos x="connsiteX0" y="connsiteY0"/>
+              </a:cxn>
+              <a:cxn ang="0">
+                <a:pos x="connsiteX1" y="connsiteY1"/>
+              </a:cxn>
+              <a:cxn ang="0">
+                <a:pos x="connsiteX2" y="connsiteY2"/>
+              </a:cxn>
+              <a:cxn ang="0">
+                <a:pos x="connsiteX3" y="connsiteY3"/>
+              </a:cxn>
+              <a:cxn ang="0">
+                <a:pos x="connsiteX4" y="connsiteY4"/>
+              </a:cxn>
+              <a:cxn ang="0">
+                <a:pos x="connsiteX5" y="connsiteY5"/>
+              </a:cxn>
+              <a:cxn ang="0">
+                <a:pos x="connsiteX6" y="connsiteY6"/>
+              </a:cxn>
+            </a:cxnLst>
+            <a:rect l="l" t="t" r="r" b="b"/>
+            <a:pathLst>
+              <a:path w="6278879" h="6858002">
+                <a:moveTo>
+                  <a:pt x="45572" y="0"/>
+                </a:moveTo>
+                <a:lnTo>
+                  <a:pt x="6278879" y="0"/>
+                </a:lnTo>
+                <a:lnTo>
+                  <a:pt x="6278879" y="6858002"/>
+                </a:lnTo>
+                <a:lnTo>
+                  <a:pt x="3292308" y="6858002"/>
+                </a:lnTo>
+                <a:lnTo>
+                  <a:pt x="3181526" y="6786982"/>
+                </a:lnTo>
+                <a:cubicBezTo>
+                  <a:pt x="1262021" y="5490191"/>
+                  <a:pt x="0" y="3294103"/>
+                  <a:pt x="0" y="803254"/>
+                </a:cubicBezTo>
+                <a:cubicBezTo>
+                  <a:pt x="0" y="554169"/>
+                  <a:pt x="12620" y="308032"/>
+                  <a:pt x="37255" y="65447"/>
+                </a:cubicBezTo>
+                <a:close/>
+              </a:path>
+            </a:pathLst>
+          </a:custGeom>
+          <a:solidFill>
+            <a:schemeClr val="bg1">
+              <a:lumMod val="85000"/>
+              <a:lumOff val="15000"/>
+              <a:alpha val="70000"/>
+            </a:schemeClr>
+          </a:solidFill>
+          <a:ln>
+            <a:noFill/>
+          </a:ln>
+        </p:spPr>
+        <p:style>
+          <a:lnRef idx="2">
+            <a:schemeClr val="accent1">
+              <a:shade val="50000"/>
+            </a:schemeClr>
+          </a:lnRef>
+          <a:fillRef idx="1">
+            <a:schemeClr val="accent1"/>
+          </a:fillRef>
+          <a:effectRef idx="0">
+            <a:schemeClr val="accent1"/>
+          </a:effectRef>
+          <a:fontRef idx="minor">
+            <a:schemeClr val="lt1"/>
+          </a:fontRef>
+        </p:style>
+        <p:txBody>
+          <a:bodyPr rtlCol="0" anchor="ctr"/>
+          <a:lstStyle/>
+          <a:p>
+            <a:pPr marL="0" marR="0" lvl="0" indent="0" algn="ctr" defTabSz="914400" rtl="0" eaLnBrk="1" fontAlgn="auto" latinLnBrk="0" hangingPunct="1">
+              <a:lnSpc>
+                <a:spcPct val="100000"/>
+              </a:lnSpc>
+              <a:spcBef>
+                <a:spcPts val="0"/>
+              </a:spcBef>
+              <a:spcAft>
+                <a:spcPts val="0"/>
+              </a:spcAft>
+              <a:buClrTx/>
+              <a:buSzTx/>
+              <a:buFontTx/>
+              <a:buNone/>
+              <a:tabLst/>
+              <a:defRPr/>
+            </a:pPr>
+            <a:endParaRPr kumimoji="0" lang="en-US" sz="1800" b="0" i="0" u="none" strike="noStrike" kern="1200" cap="none" spc="0" normalizeH="0" baseline="0" noProof="0">
+              <a:ln>
+                <a:noFill/>
+              </a:ln>
+              <a:solidFill>
+                <a:prstClr val="white"/>
+              </a:solidFill>
+              <a:effectLst/>
+              <a:uLnTx/>
+              <a:uFillTx/>
+              <a:latin typeface="Calibri" panose="020F0502020204030204"/>
+              <a:ea typeface="+mn-ea"/>
+              <a:cs typeface="+mn-cs"/>
+            </a:endParaRPr>
+          </a:p>
+        </p:txBody>
+      </p:sp>
+      <p:sp>
+        <p:nvSpPr>
+          <p:cNvPr id="2" name="Title 1"/>
+          <p:cNvSpPr>
+            <a:spLocks noGrp="1"/>
+          </p:cNvSpPr>
+          <p:nvPr>
+            <p:ph type="title"/>
+          </p:nvPr>
+        </p:nvSpPr>
+        <p:spPr>
+          <a:xfrm>
+            <a:off x="655320" y="365125"/>
+            <a:ext cx="9013052" cy="1623312"/>
+          </a:xfrm>
+        </p:spPr>
+        <p:txBody>
+          <a:bodyPr anchor="b">
+            <a:normAutofit/>
+          </a:bodyPr>
+          <a:lstStyle/>
+          <a:p>
+            <a:r>
+              <a:rPr lang="en-US" sz="4000" dirty="0"/>
+              <a:t>The Future</a:t>
+            </a:r>
+          </a:p>
+        </p:txBody>
+      </p:sp>
+      <p:cxnSp>
+        <p:nvCxnSpPr>
+          <p:cNvPr id="10" name="Straight Arrow Connector 9">
+            <a:extLst>
+              <a:ext uri="{FF2B5EF4-FFF2-40B4-BE49-F238E27FC236}">
+                <a16:creationId xmlns:a16="http://schemas.microsoft.com/office/drawing/2014/main" id="{B874EF51-C858-4BB9-97C3-D17755787127}"/>
+              </a:ext>
+              <a:ext uri="{C183D7F6-B498-43B3-948B-1728B52AA6E4}">
+                <adec:decorative xmlns:adec="http://schemas.microsoft.com/office/drawing/2017/decorative" val="1"/>
+              </a:ext>
+            </a:extLst>
+          </p:cNvPr>
+          <p:cNvCxnSpPr>
+            <a:cxnSpLocks noGrp="1" noRot="1" noChangeAspect="1" noMove="1" noResize="1" noEditPoints="1" noAdjustHandles="1" noChangeArrowheads="1" noChangeShapeType="1"/>
+          </p:cNvCxnSpPr>
+          <p:nvPr>
+            <p:extLst>
+              <p:ext uri="{386F3935-93C4-4BCD-93E2-E3B085C9AB24}">
+                <p16:designElem xmlns:p16="http://schemas.microsoft.com/office/powerpoint/2015/main" val="1"/>
+              </p:ext>
+            </p:extLst>
+          </p:nvPr>
+        </p:nvCxnSpPr>
+        <p:spPr>
+          <a:xfrm>
+            <a:off x="763661" y="2316480"/>
+            <a:ext cx="8229600" cy="0"/>
+          </a:xfrm>
+          <a:prstGeom prst="straightConnector1">
+            <a:avLst/>
+          </a:prstGeom>
+          <a:ln w="19050" cap="sq">
+            <a:solidFill>
+              <a:schemeClr val="tx1"/>
+            </a:solidFill>
+            <a:tailEnd type="none"/>
+          </a:ln>
+        </p:spPr>
+        <p:style>
+          <a:lnRef idx="1">
+            <a:schemeClr val="accent1"/>
+          </a:lnRef>
+          <a:fillRef idx="0">
+            <a:schemeClr val="accent1"/>
+          </a:fillRef>
+          <a:effectRef idx="0">
+            <a:schemeClr val="accent1"/>
+          </a:effectRef>
+          <a:fontRef idx="minor">
+            <a:schemeClr val="tx1"/>
+          </a:fontRef>
+        </p:style>
+      </p:cxnSp>
+      <p:sp>
+        <p:nvSpPr>
+          <p:cNvPr id="3" name="Content Placeholder 2"/>
+          <p:cNvSpPr>
+            <a:spLocks noGrp="1"/>
+          </p:cNvSpPr>
+          <p:nvPr>
+            <p:ph idx="1"/>
+          </p:nvPr>
+        </p:nvSpPr>
+        <p:spPr>
+          <a:xfrm>
+            <a:off x="655320" y="2644518"/>
+            <a:ext cx="9013052" cy="3327251"/>
+          </a:xfrm>
+        </p:spPr>
+        <p:txBody>
+          <a:bodyPr>
+            <a:normAutofit lnSpcReduction="10000"/>
+          </a:bodyPr>
+          <a:lstStyle/>
+          <a:p>
+            <a:r>
+              <a:rPr lang="en-US" dirty="0"/>
+              <a:t>Swagger/</a:t>
+            </a:r>
+            <a:r>
+              <a:rPr lang="en-US" dirty="0" err="1"/>
+              <a:t>OpenAPI</a:t>
+            </a:r>
+            <a:r>
+              <a:rPr lang="en-US" dirty="0"/>
+              <a:t> + JSON:API</a:t>
+            </a:r>
+          </a:p>
+          <a:p>
+            <a:r>
+              <a:rPr lang="en-US" dirty="0" err="1"/>
+              <a:t>AutoRest</a:t>
+            </a:r>
+            <a:endParaRPr lang="en-US" dirty="0"/>
+          </a:p>
+          <a:p>
+            <a:r>
+              <a:rPr lang="en-US" dirty="0"/>
+              <a:t>Separation from Core?</a:t>
+            </a:r>
+          </a:p>
+          <a:p>
+            <a:r>
+              <a:rPr lang="en-US" dirty="0"/>
+              <a:t>Improved language and encoding support</a:t>
+            </a:r>
+          </a:p>
+          <a:p>
+            <a:r>
+              <a:rPr lang="en-US" dirty="0"/>
+              <a:t>MORE BUGS!!!!</a:t>
+            </a:r>
+          </a:p>
+          <a:p>
+            <a:r>
+              <a:rPr lang="en-US" dirty="0"/>
+              <a:t>ConvertFrom-HTML?</a:t>
+            </a:r>
+          </a:p>
+          <a:p>
+            <a:r>
+              <a:rPr lang="en-US" dirty="0"/>
+              <a:t>Invoke-Download?</a:t>
+            </a:r>
+          </a:p>
+          <a:p>
+            <a:endParaRPr lang="en-US" dirty="0"/>
+          </a:p>
+          <a:p>
+            <a:pPr marL="0" indent="0">
+              <a:buNone/>
+            </a:pPr>
+            <a:endParaRPr lang="en-US" dirty="0"/>
+          </a:p>
+        </p:txBody>
+      </p:sp>
+    </p:spTree>
+    <p:extLst>
+      <p:ext uri="{BB962C8B-B14F-4D97-AF65-F5344CB8AC3E}">
+        <p14:creationId xmlns:p14="http://schemas.microsoft.com/office/powerpoint/2010/main" val="2853587345"/>
+      </p:ext>
+    </p:extLst>
+  </p:cSld>
+  <p:clrMapOvr>
+    <a:overrideClrMapping bg1="dk1" tx1="lt1" bg2="dk2" tx2="lt2" accent1="accent1" accent2="accent2" accent3="accent3" accent4="accent4" accent5="accent5" accent6="accent6" hlink="hlink" folHlink="folHlink"/>
+  </p:clrMapOvr>
+</p:sld>
+</file>
+
+<file path=ppt/slides/slide44.xml><?xml version="1.0" encoding="utf-8"?>
 <p:sld xmlns:a="http://schemas.openxmlformats.org/drawingml/2006/main" xmlns:r="http://schemas.openxmlformats.org/officeDocument/2006/relationships" xmlns:p="http://schemas.openxmlformats.org/presentationml/2006/main">
   <p:cSld>
     <p:spTree>
@@ -17655,7 +18530,7 @@
 </p:sld>
 </file>
 
-<file path=ppt/slides/slide43.xml><?xml version="1.0" encoding="utf-8"?>
+<file path=ppt/slides/slide45.xml><?xml version="1.0" encoding="utf-8"?>
 <p:sld xmlns:a="http://schemas.openxmlformats.org/drawingml/2006/main" xmlns:r="http://schemas.openxmlformats.org/officeDocument/2006/relationships" xmlns:p="http://schemas.openxmlformats.org/presentationml/2006/main">
   <p:cSld>
     <p:spTree>
@@ -19014,13 +19889,19 @@
         </p:spPr>
         <p:txBody>
           <a:bodyPr>
-            <a:normAutofit lnSpcReduction="10000"/>
+            <a:normAutofit fontScale="92500" lnSpcReduction="20000"/>
           </a:bodyPr>
           <a:lstStyle/>
           <a:p>
             <a:r>
               <a:rPr lang="en-US" dirty="0"/>
               <a:t>The Man Behind the Rin Avatar</a:t>
+            </a:r>
+          </a:p>
+          <a:p>
+            <a:r>
+              <a:rPr lang="en-US" dirty="0"/>
+              <a:t>Why Web Cmdlets?</a:t>
             </a:r>
           </a:p>
           <a:p>
